--- a/Auszubildenden Verwaltungssystem - v2.pptx
+++ b/Auszubildenden Verwaltungssystem - v2.pptx
@@ -2773,7 +2773,7 @@
           <a:p>
             <a:fld id="{9BB59086-5F44-45D5-A575-EDDADCC2B505}" type="datetimeFigureOut">
               <a:rPr lang="en-US" smtClean="0"/>
-              <a:t>6/9/2021</a:t>
+              <a:t>6/10/2021</a:t>
             </a:fld>
             <a:endParaRPr lang="en-US"/>
           </a:p>
@@ -3363,7 +3363,7 @@
           <a:p>
             <a:fld id="{2C7E849F-BAF6-4C6D-9085-0A13514F3D08}" type="datetime1">
               <a:rPr lang="en-US" smtClean="0"/>
-              <a:t>6/9/2021</a:t>
+              <a:t>6/10/2021</a:t>
             </a:fld>
             <a:endParaRPr lang="en-US"/>
           </a:p>
@@ -3563,7 +3563,7 @@
           <a:p>
             <a:fld id="{0BF73752-FC71-40FD-A77E-6A1B9FD54918}" type="datetime1">
               <a:rPr lang="en-US" smtClean="0"/>
-              <a:t>6/9/2021</a:t>
+              <a:t>6/10/2021</a:t>
             </a:fld>
             <a:endParaRPr lang="en-US"/>
           </a:p>
@@ -3773,7 +3773,7 @@
           <a:p>
             <a:fld id="{1D2D0C79-6C6F-41CF-AA6D-C1EBBB03A21F}" type="datetime1">
               <a:rPr lang="en-US" smtClean="0"/>
-              <a:t>6/9/2021</a:t>
+              <a:t>6/10/2021</a:t>
             </a:fld>
             <a:endParaRPr lang="en-US"/>
           </a:p>
@@ -3973,7 +3973,7 @@
           <a:p>
             <a:fld id="{83A7F25B-10B0-43BF-ABF8-3A60DECE8302}" type="datetime1">
               <a:rPr lang="en-US" smtClean="0"/>
-              <a:t>6/9/2021</a:t>
+              <a:t>6/10/2021</a:t>
             </a:fld>
             <a:endParaRPr lang="en-US"/>
           </a:p>
@@ -4249,7 +4249,7 @@
           <a:p>
             <a:fld id="{BDB3D96F-1C71-473A-AB1B-4210EA5D3BBC}" type="datetime1">
               <a:rPr lang="en-US" smtClean="0"/>
-              <a:t>6/9/2021</a:t>
+              <a:t>6/10/2021</a:t>
             </a:fld>
             <a:endParaRPr lang="en-US"/>
           </a:p>
@@ -4517,7 +4517,7 @@
           <a:p>
             <a:fld id="{12FEB268-6E43-4B67-A5E0-B60D02FF589D}" type="datetime1">
               <a:rPr lang="en-US" smtClean="0"/>
-              <a:t>6/9/2021</a:t>
+              <a:t>6/10/2021</a:t>
             </a:fld>
             <a:endParaRPr lang="en-US"/>
           </a:p>
@@ -4932,7 +4932,7 @@
           <a:p>
             <a:fld id="{B4171674-8A59-446B-9843-55B1DD7DD758}" type="datetime1">
               <a:rPr lang="en-US" smtClean="0"/>
-              <a:t>6/9/2021</a:t>
+              <a:t>6/10/2021</a:t>
             </a:fld>
             <a:endParaRPr lang="en-US"/>
           </a:p>
@@ -5074,7 +5074,7 @@
           <a:p>
             <a:fld id="{2E0EC46D-D099-42AC-867D-3AB47EEB51EB}" type="datetime1">
               <a:rPr lang="en-US" smtClean="0"/>
-              <a:t>6/9/2021</a:t>
+              <a:t>6/10/2021</a:t>
             </a:fld>
             <a:endParaRPr lang="en-US"/>
           </a:p>
@@ -5187,7 +5187,7 @@
           <a:p>
             <a:fld id="{B41743CA-F2F1-4909-93D8-74AE7A3619F0}" type="datetime1">
               <a:rPr lang="en-US" smtClean="0"/>
-              <a:t>6/9/2021</a:t>
+              <a:t>6/10/2021</a:t>
             </a:fld>
             <a:endParaRPr lang="en-US"/>
           </a:p>
@@ -5500,7 +5500,7 @@
           <a:p>
             <a:fld id="{E8BBBDDC-B19D-412F-A7BF-9841AE449926}" type="datetime1">
               <a:rPr lang="en-US" smtClean="0"/>
-              <a:t>6/9/2021</a:t>
+              <a:t>6/10/2021</a:t>
             </a:fld>
             <a:endParaRPr lang="en-US"/>
           </a:p>
@@ -5789,7 +5789,7 @@
           <a:p>
             <a:fld id="{6D572D86-2016-4BA6-A0C7-DA70CAC52E22}" type="datetime1">
               <a:rPr lang="en-US" smtClean="0"/>
-              <a:t>6/9/2021</a:t>
+              <a:t>6/10/2021</a:t>
             </a:fld>
             <a:endParaRPr lang="en-US"/>
           </a:p>
@@ -6032,7 +6032,7 @@
           <a:p>
             <a:fld id="{604F3503-0743-4D35-B74B-BCB081EA7D83}" type="datetime1">
               <a:rPr lang="en-US" smtClean="0"/>
-              <a:t>6/9/2021</a:t>
+              <a:t>6/10/2021</a:t>
             </a:fld>
             <a:endParaRPr lang="en-US"/>
           </a:p>
@@ -7322,11 +7322,11 @@
   <p:clrMapOvr>
     <a:masterClrMapping/>
   </p:clrMapOvr>
-  <mc:AlternateContent xmlns:mc="http://schemas.openxmlformats.org/markup-compatibility/2006">
-    <mc:Choice xmlns:p14="http://schemas.microsoft.com/office/powerpoint/2010/main" Requires="p14">
+  <mc:AlternateContent xmlns:mc="http://schemas.openxmlformats.org/markup-compatibility/2006" xmlns:p14="http://schemas.microsoft.com/office/powerpoint/2010/main">
+    <mc:Choice Requires="p14">
       <p:transition spd="slow" p14:dur="50000"/>
     </mc:Choice>
-    <mc:Fallback>
+    <mc:Fallback xmlns="">
       <p:transition spd="slow"/>
     </mc:Fallback>
   </mc:AlternateContent>
@@ -8275,11 +8275,11 @@
   <p:clrMapOvr>
     <a:masterClrMapping/>
   </p:clrMapOvr>
-  <mc:AlternateContent xmlns:mc="http://schemas.openxmlformats.org/markup-compatibility/2006">
-    <mc:Choice xmlns:p14="http://schemas.microsoft.com/office/powerpoint/2010/main" Requires="p14">
+  <mc:AlternateContent xmlns:mc="http://schemas.openxmlformats.org/markup-compatibility/2006" xmlns:p14="http://schemas.microsoft.com/office/powerpoint/2010/main">
+    <mc:Choice Requires="p14">
       <p:transition spd="slow" p14:dur="50000"/>
     </mc:Choice>
-    <mc:Fallback>
+    <mc:Fallback xmlns="">
       <p:transition spd="slow"/>
     </mc:Fallback>
   </mc:AlternateContent>
@@ -9182,11 +9182,11 @@
   <p:clrMapOvr>
     <a:masterClrMapping/>
   </p:clrMapOvr>
-  <mc:AlternateContent xmlns:mc="http://schemas.openxmlformats.org/markup-compatibility/2006">
-    <mc:Choice xmlns:p14="http://schemas.microsoft.com/office/powerpoint/2010/main" Requires="p14">
+  <mc:AlternateContent xmlns:mc="http://schemas.openxmlformats.org/markup-compatibility/2006" xmlns:p14="http://schemas.microsoft.com/office/powerpoint/2010/main">
+    <mc:Choice Requires="p14">
       <p:transition spd="slow" p14:dur="50000"/>
     </mc:Choice>
-    <mc:Fallback>
+    <mc:Fallback xmlns="">
       <p:transition spd="slow"/>
     </mc:Fallback>
   </mc:AlternateContent>
@@ -10634,11 +10634,11 @@
   <p:clrMapOvr>
     <a:masterClrMapping/>
   </p:clrMapOvr>
-  <mc:AlternateContent xmlns:mc="http://schemas.openxmlformats.org/markup-compatibility/2006">
-    <mc:Choice xmlns:p14="http://schemas.microsoft.com/office/powerpoint/2010/main" Requires="p14">
+  <mc:AlternateContent xmlns:mc="http://schemas.openxmlformats.org/markup-compatibility/2006" xmlns:p14="http://schemas.microsoft.com/office/powerpoint/2010/main">
+    <mc:Choice Requires="p14">
       <p:transition spd="slow" p14:dur="50000"/>
     </mc:Choice>
-    <mc:Fallback>
+    <mc:Fallback xmlns="">
       <p:transition spd="slow"/>
     </mc:Fallback>
   </mc:AlternateContent>
@@ -11668,11 +11668,11 @@
   <p:clrMapOvr>
     <a:masterClrMapping/>
   </p:clrMapOvr>
-  <mc:AlternateContent xmlns:mc="http://schemas.openxmlformats.org/markup-compatibility/2006">
-    <mc:Choice xmlns:p14="http://schemas.microsoft.com/office/powerpoint/2010/main" Requires="p14">
+  <mc:AlternateContent xmlns:mc="http://schemas.openxmlformats.org/markup-compatibility/2006" xmlns:p14="http://schemas.microsoft.com/office/powerpoint/2010/main">
+    <mc:Choice Requires="p14">
       <p:transition spd="slow" p14:dur="50000"/>
     </mc:Choice>
-    <mc:Fallback>
+    <mc:Fallback xmlns="">
       <p:transition spd="slow"/>
     </mc:Fallback>
   </mc:AlternateContent>
@@ -12380,11 +12380,11 @@
   <p:clrMapOvr>
     <a:masterClrMapping/>
   </p:clrMapOvr>
-  <mc:AlternateContent xmlns:mc="http://schemas.openxmlformats.org/markup-compatibility/2006">
-    <mc:Choice xmlns:p14="http://schemas.microsoft.com/office/powerpoint/2010/main" Requires="p14">
+  <mc:AlternateContent xmlns:mc="http://schemas.openxmlformats.org/markup-compatibility/2006" xmlns:p14="http://schemas.microsoft.com/office/powerpoint/2010/main">
+    <mc:Choice Requires="p14">
       <p:transition spd="slow" p14:dur="50000"/>
     </mc:Choice>
-    <mc:Fallback>
+    <mc:Fallback xmlns="">
       <p:transition spd="slow"/>
     </mc:Fallback>
   </mc:AlternateContent>
@@ -12879,11 +12879,11 @@
   <p:clrMapOvr>
     <a:masterClrMapping/>
   </p:clrMapOvr>
-  <mc:AlternateContent xmlns:mc="http://schemas.openxmlformats.org/markup-compatibility/2006">
-    <mc:Choice xmlns:p14="http://schemas.microsoft.com/office/powerpoint/2010/main" Requires="p14">
+  <mc:AlternateContent xmlns:mc="http://schemas.openxmlformats.org/markup-compatibility/2006" xmlns:p14="http://schemas.microsoft.com/office/powerpoint/2010/main">
+    <mc:Choice Requires="p14">
       <p:transition spd="slow" p14:dur="50000"/>
     </mc:Choice>
-    <mc:Fallback>
+    <mc:Fallback xmlns="">
       <p:transition spd="slow"/>
     </mc:Fallback>
   </mc:AlternateContent>
@@ -13895,11 +13895,11 @@
   <p:clrMapOvr>
     <a:masterClrMapping/>
   </p:clrMapOvr>
-  <mc:AlternateContent xmlns:mc="http://schemas.openxmlformats.org/markup-compatibility/2006">
-    <mc:Choice xmlns:p14="http://schemas.microsoft.com/office/powerpoint/2010/main" Requires="p14">
+  <mc:AlternateContent xmlns:mc="http://schemas.openxmlformats.org/markup-compatibility/2006" xmlns:p14="http://schemas.microsoft.com/office/powerpoint/2010/main">
+    <mc:Choice Requires="p14">
       <p:transition spd="slow" p14:dur="50000"/>
     </mc:Choice>
-    <mc:Fallback>
+    <mc:Fallback xmlns="">
       <p:transition spd="slow"/>
     </mc:Fallback>
   </mc:AlternateContent>
@@ -15899,11 +15899,11 @@
   <p:clrMapOvr>
     <a:masterClrMapping/>
   </p:clrMapOvr>
-  <mc:AlternateContent xmlns:mc="http://schemas.openxmlformats.org/markup-compatibility/2006">
-    <mc:Choice xmlns:p14="http://schemas.microsoft.com/office/powerpoint/2010/main" Requires="p14">
+  <mc:AlternateContent xmlns:mc="http://schemas.openxmlformats.org/markup-compatibility/2006" xmlns:p14="http://schemas.microsoft.com/office/powerpoint/2010/main">
+    <mc:Choice Requires="p14">
       <p:transition spd="slow" p14:dur="50000"/>
     </mc:Choice>
-    <mc:Fallback>
+    <mc:Fallback xmlns="">
       <p:transition spd="slow"/>
     </mc:Fallback>
   </mc:AlternateContent>
@@ -16544,7 +16544,7 @@
         <p:spPr>
           <a:xfrm>
             <a:off x="838200" y="2264088"/>
-            <a:ext cx="6094476" cy="3169778"/>
+            <a:ext cx="6094476" cy="2770630"/>
           </a:xfrm>
           <a:prstGeom prst="rect">
             <a:avLst/>
@@ -16556,84 +16556,6 @@
             <a:spAutoFit/>
           </a:bodyPr>
           <a:lstStyle/>
-          <a:p>
-            <a:pPr>
-              <a:lnSpc>
-                <a:spcPct val="107000"/>
-              </a:lnSpc>
-              <a:spcAft>
-                <a:spcPts val="800"/>
-              </a:spcAft>
-            </a:pPr>
-            <a:r>
-              <a:rPr lang="de-DE" sz="1801" dirty="0">
-                <a:latin typeface="Calibri" panose="020F0502020204030204" pitchFamily="34" charset="0"/>
-                <a:ea typeface="Calibri" panose="020F0502020204030204" pitchFamily="34" charset="0"/>
-                <a:cs typeface="Arial" panose="020B0604020202020204" pitchFamily="34" charset="0"/>
-              </a:rPr>
-              <a:t>Scrum </a:t>
-            </a:r>
-            <a:r>
-              <a:rPr lang="de-DE" sz="1801" u="sng" dirty="0">
-                <a:solidFill>
-                  <a:srgbClr val="0000FF"/>
-                </a:solidFill>
-                <a:latin typeface="Calibri" panose="020F0502020204030204" pitchFamily="34" charset="0"/>
-                <a:ea typeface="Calibri" panose="020F0502020204030204" pitchFamily="34" charset="0"/>
-                <a:cs typeface="Arial" panose="020B0604020202020204" pitchFamily="34" charset="0"/>
-                <a:hlinkClick r:id="rId2"/>
-              </a:rPr>
-              <a:t>https://bit.ly/34MXh4W</a:t>
-            </a:r>
-            <a:endParaRPr lang="de-DE" sz="1801" dirty="0">
-              <a:latin typeface="Calibri" panose="020F0502020204030204" pitchFamily="34" charset="0"/>
-              <a:ea typeface="Calibri" panose="020F0502020204030204" pitchFamily="34" charset="0"/>
-              <a:cs typeface="Arial" panose="020B0604020202020204" pitchFamily="34" charset="0"/>
-            </a:endParaRPr>
-          </a:p>
-          <a:p>
-            <a:pPr>
-              <a:lnSpc>
-                <a:spcPct val="107000"/>
-              </a:lnSpc>
-              <a:spcAft>
-                <a:spcPts val="800"/>
-              </a:spcAft>
-            </a:pPr>
-            <a:r>
-              <a:rPr lang="en-US" sz="1801" dirty="0" err="1">
-                <a:latin typeface="Calibri" panose="020F0502020204030204" pitchFamily="34" charset="0"/>
-                <a:ea typeface="Calibri" panose="020F0502020204030204" pitchFamily="34" charset="0"/>
-                <a:cs typeface="Arial" panose="020B0604020202020204" pitchFamily="34" charset="0"/>
-              </a:rPr>
-              <a:t>MySql</a:t>
-            </a:r>
-            <a:r>
-              <a:rPr lang="en-US" sz="1801" dirty="0">
-                <a:latin typeface="Calibri" panose="020F0502020204030204" pitchFamily="34" charset="0"/>
-                <a:ea typeface="Calibri" panose="020F0502020204030204" pitchFamily="34" charset="0"/>
-                <a:cs typeface="Arial" panose="020B0604020202020204" pitchFamily="34" charset="0"/>
-              </a:rPr>
-              <a:t> </a:t>
-            </a:r>
-            <a:r>
-              <a:rPr lang="en-US" sz="1801" u="sng" dirty="0">
-                <a:solidFill>
-                  <a:srgbClr val="0000FF"/>
-                </a:solidFill>
-                <a:latin typeface="Calibri" panose="020F0502020204030204" pitchFamily="34" charset="0"/>
-                <a:ea typeface="Calibri" panose="020F0502020204030204" pitchFamily="34" charset="0"/>
-                <a:cs typeface="Arial" panose="020B0604020202020204" pitchFamily="34" charset="0"/>
-                <a:hlinkClick r:id="rId3"/>
-              </a:rPr>
-              <a:t>https://bit.ly/2Sg1kE1</a:t>
-            </a:r>
-            <a:endParaRPr lang="de-DE" sz="1801" dirty="0">
-              <a:latin typeface="Calibri" panose="020F0502020204030204" pitchFamily="34" charset="0"/>
-              <a:ea typeface="Calibri" panose="020F0502020204030204" pitchFamily="34" charset="0"/>
-              <a:cs typeface="Arial" panose="020B0604020202020204" pitchFamily="34" charset="0"/>
-            </a:endParaRPr>
-          </a:p>
           <a:p>
             <a:pPr>
               <a:lnSpc>
@@ -16667,7 +16589,7 @@
                 <a:latin typeface="Calibri" panose="020F0502020204030204" pitchFamily="34" charset="0"/>
                 <a:ea typeface="Calibri" panose="020F0502020204030204" pitchFamily="34" charset="0"/>
                 <a:cs typeface="Arial" panose="020B0604020202020204" pitchFamily="34" charset="0"/>
-                <a:hlinkClick r:id="rId4"/>
+                <a:hlinkClick r:id="rId2"/>
               </a:rPr>
               <a:t>https://bit.ly/2TO2YgR</a:t>
             </a:r>
@@ -16702,7 +16624,7 @@
                 <a:latin typeface="Calibri" panose="020F0502020204030204" pitchFamily="34" charset="0"/>
                 <a:ea typeface="Calibri" panose="020F0502020204030204" pitchFamily="34" charset="0"/>
                 <a:cs typeface="Arial" panose="020B0604020202020204" pitchFamily="34" charset="0"/>
-                <a:hlinkClick r:id="rId5"/>
+                <a:hlinkClick r:id="rId3"/>
               </a:rPr>
               <a:t>https://bit.ly/3gfGYCK</a:t>
             </a:r>
@@ -16737,7 +16659,7 @@
                 <a:latin typeface="Calibri" panose="020F0502020204030204" pitchFamily="34" charset="0"/>
                 <a:ea typeface="Calibri" panose="020F0502020204030204" pitchFamily="34" charset="0"/>
                 <a:cs typeface="Arial" panose="020B0604020202020204" pitchFamily="34" charset="0"/>
-                <a:hlinkClick r:id="rId6"/>
+                <a:hlinkClick r:id="rId4"/>
               </a:rPr>
               <a:t>https://bit.ly/3ikB9qv</a:t>
             </a:r>
@@ -16772,7 +16694,7 @@
                 <a:latin typeface="Calibri" panose="020F0502020204030204" pitchFamily="34" charset="0"/>
                 <a:ea typeface="Calibri" panose="020F0502020204030204" pitchFamily="34" charset="0"/>
                 <a:cs typeface="Arial" panose="020B0604020202020204" pitchFamily="34" charset="0"/>
-                <a:hlinkClick r:id="rId7"/>
+                <a:hlinkClick r:id="rId5"/>
               </a:rPr>
               <a:t>https://bit.ly/3fUvgi1</a:t>
             </a:r>
@@ -16807,7 +16729,7 @@
                 <a:latin typeface="Calibri" panose="020F0502020204030204" pitchFamily="34" charset="0"/>
                 <a:ea typeface="Calibri" panose="020F0502020204030204" pitchFamily="34" charset="0"/>
                 <a:cs typeface="Arial" panose="020B0604020202020204" pitchFamily="34" charset="0"/>
-                <a:hlinkClick r:id="rId8"/>
+                <a:hlinkClick r:id="rId6"/>
               </a:rPr>
               <a:t>https://bit.ly/3z50WJf</a:t>
             </a:r>
@@ -16842,11 +16764,51 @@
                 <a:latin typeface="Calibri" panose="020F0502020204030204" pitchFamily="34" charset="0"/>
                 <a:ea typeface="Calibri" panose="020F0502020204030204" pitchFamily="34" charset="0"/>
                 <a:cs typeface="Arial" panose="020B0604020202020204" pitchFamily="34" charset="0"/>
-                <a:hlinkClick r:id="rId9"/>
+                <a:hlinkClick r:id="rId7"/>
               </a:rPr>
               <a:t>https://bit.ly/3ikUOqo</a:t>
             </a:r>
-            <a:endParaRPr lang="de-DE" sz="1801" dirty="0">
+            <a:endParaRPr lang="de-DE" sz="1801" u="sng" dirty="0">
+              <a:solidFill>
+                <a:srgbClr val="0000FF"/>
+              </a:solidFill>
+              <a:latin typeface="Calibri" panose="020F0502020204030204" pitchFamily="34" charset="0"/>
+              <a:ea typeface="Calibri" panose="020F0502020204030204" pitchFamily="34" charset="0"/>
+              <a:cs typeface="Arial" panose="020B0604020202020204" pitchFamily="34" charset="0"/>
+            </a:endParaRPr>
+          </a:p>
+          <a:p>
+            <a:pPr>
+              <a:lnSpc>
+                <a:spcPct val="107000"/>
+              </a:lnSpc>
+              <a:spcAft>
+                <a:spcPts val="800"/>
+              </a:spcAft>
+            </a:pPr>
+            <a:r>
+              <a:rPr lang="de-DE" sz="1801" dirty="0">
+                <a:latin typeface="Calibri" panose="020F0502020204030204" pitchFamily="34" charset="0"/>
+                <a:ea typeface="Calibri" panose="020F0502020204030204" pitchFamily="34" charset="0"/>
+                <a:cs typeface="Arial" panose="020B0604020202020204" pitchFamily="34" charset="0"/>
+              </a:rPr>
+              <a:t>Php Apache </a:t>
+            </a:r>
+            <a:r>
+              <a:rPr lang="de-DE" sz="1801" u="sng" dirty="0">
+                <a:solidFill>
+                  <a:srgbClr val="0070C0"/>
+                </a:solidFill>
+                <a:latin typeface="Calibri" panose="020F0502020204030204" pitchFamily="34" charset="0"/>
+                <a:ea typeface="Calibri" panose="020F0502020204030204" pitchFamily="34" charset="0"/>
+                <a:cs typeface="Arial" panose="020B0604020202020204" pitchFamily="34" charset="0"/>
+              </a:rPr>
+              <a:t>https://bit.ly/3zqbYcn</a:t>
+            </a:r>
+            <a:endParaRPr lang="en-US" sz="1801" u="sng" dirty="0">
+              <a:solidFill>
+                <a:srgbClr val="0070C0"/>
+              </a:solidFill>
               <a:latin typeface="Calibri" panose="020F0502020204030204" pitchFamily="34" charset="0"/>
               <a:ea typeface="Calibri" panose="020F0502020204030204" pitchFamily="34" charset="0"/>
               <a:cs typeface="Arial" panose="020B0604020202020204" pitchFamily="34" charset="0"/>
@@ -16864,11 +16826,11 @@
   <p:clrMapOvr>
     <a:masterClrMapping/>
   </p:clrMapOvr>
-  <mc:AlternateContent xmlns:mc="http://schemas.openxmlformats.org/markup-compatibility/2006">
-    <mc:Choice xmlns:p14="http://schemas.microsoft.com/office/powerpoint/2010/main" Requires="p14">
+  <mc:AlternateContent xmlns:mc="http://schemas.openxmlformats.org/markup-compatibility/2006" xmlns:p14="http://schemas.microsoft.com/office/powerpoint/2010/main">
+    <mc:Choice Requires="p14">
       <p:transition spd="slow" p14:dur="50000"/>
     </mc:Choice>
-    <mc:Fallback>
+    <mc:Fallback xmlns="">
       <p:transition spd="slow"/>
     </mc:Fallback>
   </mc:AlternateContent>
@@ -16938,11 +16900,11 @@
   <p:clrMapOvr>
     <a:masterClrMapping/>
   </p:clrMapOvr>
-  <mc:AlternateContent xmlns:mc="http://schemas.openxmlformats.org/markup-compatibility/2006">
-    <mc:Choice xmlns:p14="http://schemas.microsoft.com/office/powerpoint/2010/main" Requires="p14">
+  <mc:AlternateContent xmlns:mc="http://schemas.openxmlformats.org/markup-compatibility/2006" xmlns:p14="http://schemas.microsoft.com/office/powerpoint/2010/main">
+    <mc:Choice Requires="p14">
       <p:transition spd="slow" p14:dur="50000"/>
     </mc:Choice>
-    <mc:Fallback>
+    <mc:Fallback xmlns="">
       <p:transition spd="slow"/>
     </mc:Fallback>
   </mc:AlternateContent>
@@ -17880,11 +17842,11 @@
   <p:clrMapOvr>
     <a:masterClrMapping/>
   </p:clrMapOvr>
-  <mc:AlternateContent xmlns:mc="http://schemas.openxmlformats.org/markup-compatibility/2006">
-    <mc:Choice xmlns:p14="http://schemas.microsoft.com/office/powerpoint/2010/main" Requires="p14">
+  <mc:AlternateContent xmlns:mc="http://schemas.openxmlformats.org/markup-compatibility/2006" xmlns:p14="http://schemas.microsoft.com/office/powerpoint/2010/main">
+    <mc:Choice Requires="p14">
       <p:transition spd="slow" p14:dur="50000"/>
     </mc:Choice>
-    <mc:Fallback>
+    <mc:Fallback xmlns="">
       <p:transition spd="slow"/>
     </mc:Fallback>
   </mc:AlternateContent>
@@ -18825,11 +18787,11 @@
   <p:clrMapOvr>
     <a:masterClrMapping/>
   </p:clrMapOvr>
-  <mc:AlternateContent xmlns:mc="http://schemas.openxmlformats.org/markup-compatibility/2006">
-    <mc:Choice xmlns:p14="http://schemas.microsoft.com/office/powerpoint/2010/main" Requires="p14">
+  <mc:AlternateContent xmlns:mc="http://schemas.openxmlformats.org/markup-compatibility/2006" xmlns:p14="http://schemas.microsoft.com/office/powerpoint/2010/main">
+    <mc:Choice Requires="p14">
       <p:transition spd="slow" p14:dur="50000"/>
     </mc:Choice>
-    <mc:Fallback>
+    <mc:Fallback xmlns="">
       <p:transition spd="slow"/>
     </mc:Fallback>
   </mc:AlternateContent>
@@ -19669,11 +19631,11 @@
   <p:clrMapOvr>
     <a:masterClrMapping/>
   </p:clrMapOvr>
-  <mc:AlternateContent xmlns:mc="http://schemas.openxmlformats.org/markup-compatibility/2006">
-    <mc:Choice xmlns:p14="http://schemas.microsoft.com/office/powerpoint/2010/main" Requires="p14">
+  <mc:AlternateContent xmlns:mc="http://schemas.openxmlformats.org/markup-compatibility/2006" xmlns:p14="http://schemas.microsoft.com/office/powerpoint/2010/main">
+    <mc:Choice Requires="p14">
       <p:transition spd="slow" p14:dur="50000"/>
     </mc:Choice>
-    <mc:Fallback>
+    <mc:Fallback xmlns="">
       <p:transition spd="slow"/>
     </mc:Fallback>
   </mc:AlternateContent>
@@ -21199,11 +21161,11 @@
   <p:clrMapOvr>
     <a:masterClrMapping/>
   </p:clrMapOvr>
-  <mc:AlternateContent xmlns:mc="http://schemas.openxmlformats.org/markup-compatibility/2006">
-    <mc:Choice xmlns:p14="http://schemas.microsoft.com/office/powerpoint/2010/main" Requires="p14">
+  <mc:AlternateContent xmlns:mc="http://schemas.openxmlformats.org/markup-compatibility/2006" xmlns:p14="http://schemas.microsoft.com/office/powerpoint/2010/main">
+    <mc:Choice Requires="p14">
       <p:transition spd="slow" p14:dur="50000"/>
     </mc:Choice>
-    <mc:Fallback>
+    <mc:Fallback xmlns="">
       <p:transition spd="slow"/>
     </mc:Fallback>
   </mc:AlternateContent>
@@ -22152,11 +22114,11 @@
   <p:clrMapOvr>
     <a:masterClrMapping/>
   </p:clrMapOvr>
-  <mc:AlternateContent xmlns:mc="http://schemas.openxmlformats.org/markup-compatibility/2006">
-    <mc:Choice xmlns:p14="http://schemas.microsoft.com/office/powerpoint/2010/main" Requires="p14">
+  <mc:AlternateContent xmlns:mc="http://schemas.openxmlformats.org/markup-compatibility/2006" xmlns:p14="http://schemas.microsoft.com/office/powerpoint/2010/main">
+    <mc:Choice Requires="p14">
       <p:transition spd="slow" p14:dur="50000"/>
     </mc:Choice>
-    <mc:Fallback>
+    <mc:Fallback xmlns="">
       <p:transition spd="slow"/>
     </mc:Fallback>
   </mc:AlternateContent>
@@ -23603,11 +23565,11 @@
   <p:clrMapOvr>
     <a:masterClrMapping/>
   </p:clrMapOvr>
-  <mc:AlternateContent xmlns:mc="http://schemas.openxmlformats.org/markup-compatibility/2006">
-    <mc:Choice xmlns:p14="http://schemas.microsoft.com/office/powerpoint/2010/main" Requires="p14">
+  <mc:AlternateContent xmlns:mc="http://schemas.openxmlformats.org/markup-compatibility/2006" xmlns:p14="http://schemas.microsoft.com/office/powerpoint/2010/main">
+    <mc:Choice Requires="p14">
       <p:transition spd="slow" p14:dur="50000"/>
     </mc:Choice>
-    <mc:Fallback>
+    <mc:Fallback xmlns="">
       <p:transition spd="slow"/>
     </mc:Fallback>
   </mc:AlternateContent>
@@ -25110,11 +25072,11 @@
   <p:clrMapOvr>
     <a:masterClrMapping/>
   </p:clrMapOvr>
-  <mc:AlternateContent xmlns:mc="http://schemas.openxmlformats.org/markup-compatibility/2006">
-    <mc:Choice xmlns:p14="http://schemas.microsoft.com/office/powerpoint/2010/main" Requires="p14">
+  <mc:AlternateContent xmlns:mc="http://schemas.openxmlformats.org/markup-compatibility/2006" xmlns:p14="http://schemas.microsoft.com/office/powerpoint/2010/main">
+    <mc:Choice Requires="p14">
       <p:transition spd="slow" p14:dur="50000"/>
     </mc:Choice>
-    <mc:Fallback>
+    <mc:Fallback xmlns="">
       <p:transition spd="slow"/>
     </mc:Fallback>
   </mc:AlternateContent>
@@ -26941,11 +26903,11 @@
   <p:clrMapOvr>
     <a:masterClrMapping/>
   </p:clrMapOvr>
-  <mc:AlternateContent xmlns:mc="http://schemas.openxmlformats.org/markup-compatibility/2006">
-    <mc:Choice xmlns:p14="http://schemas.microsoft.com/office/powerpoint/2010/main" Requires="p14">
+  <mc:AlternateContent xmlns:mc="http://schemas.openxmlformats.org/markup-compatibility/2006" xmlns:p14="http://schemas.microsoft.com/office/powerpoint/2010/main">
+    <mc:Choice Requires="p14">
       <p:transition spd="slow" p14:dur="50000"/>
     </mc:Choice>
-    <mc:Fallback>
+    <mc:Fallback xmlns="">
       <p:transition spd="slow"/>
     </mc:Fallback>
   </mc:AlternateContent>

--- a/Auszubildenden Verwaltungssystem - v2.pptx
+++ b/Auszubildenden Verwaltungssystem - v2.pptx
@@ -2773,7 +2773,7 @@
           <a:p>
             <a:fld id="{9BB59086-5F44-45D5-A575-EDDADCC2B505}" type="datetimeFigureOut">
               <a:rPr lang="en-US" smtClean="0"/>
-              <a:t>6/10/2021</a:t>
+              <a:t>6/15/2021</a:t>
             </a:fld>
             <a:endParaRPr lang="en-US"/>
           </a:p>
@@ -3157,7 +3157,12 @@
             <p:ph type="sldImg"/>
           </p:nvPr>
         </p:nvSpPr>
-        <p:spPr/>
+        <p:spPr>
+          <a:xfrm>
+            <a:off x="685800" y="1143000"/>
+            <a:ext cx="5486400" cy="3086100"/>
+          </a:xfrm>
+        </p:spPr>
       </p:sp>
       <p:sp>
         <p:nvSpPr>
@@ -3298,35 +3303,35 @@
               <a:buNone/>
               <a:defRPr sz="2400"/>
             </a:lvl1pPr>
-            <a:lvl2pPr marL="457211" indent="0" algn="ctr">
+            <a:lvl2pPr marL="457199" indent="0" algn="ctr">
               <a:buNone/>
               <a:defRPr sz="2000"/>
             </a:lvl2pPr>
-            <a:lvl3pPr marL="914422" indent="0" algn="ctr">
+            <a:lvl3pPr marL="914400" indent="0" algn="ctr">
               <a:buNone/>
               <a:defRPr sz="1801"/>
             </a:lvl3pPr>
-            <a:lvl4pPr marL="1371635" indent="0" algn="ctr">
+            <a:lvl4pPr marL="1371600" indent="0" algn="ctr">
               <a:buNone/>
               <a:defRPr sz="1600"/>
             </a:lvl4pPr>
-            <a:lvl5pPr marL="1828846" indent="0" algn="ctr">
+            <a:lvl5pPr marL="1828801" indent="0" algn="ctr">
               <a:buNone/>
               <a:defRPr sz="1600"/>
             </a:lvl5pPr>
-            <a:lvl6pPr marL="2286057" indent="0" algn="ctr">
+            <a:lvl6pPr marL="2286000" indent="0" algn="ctr">
               <a:buNone/>
               <a:defRPr sz="1600"/>
             </a:lvl6pPr>
-            <a:lvl7pPr marL="2743268" indent="0" algn="ctr">
+            <a:lvl7pPr marL="2743199" indent="0" algn="ctr">
               <a:buNone/>
               <a:defRPr sz="1600"/>
             </a:lvl7pPr>
-            <a:lvl8pPr marL="3200481" indent="0" algn="ctr">
+            <a:lvl8pPr marL="3200401" indent="0" algn="ctr">
               <a:buNone/>
               <a:defRPr sz="1600"/>
             </a:lvl8pPr>
-            <a:lvl9pPr marL="3657692" indent="0" algn="ctr">
+            <a:lvl9pPr marL="3657601" indent="0" algn="ctr">
               <a:buNone/>
               <a:defRPr sz="1600"/>
             </a:lvl9pPr>
@@ -3363,7 +3368,7 @@
           <a:p>
             <a:fld id="{2C7E849F-BAF6-4C6D-9085-0A13514F3D08}" type="datetime1">
               <a:rPr lang="en-US" smtClean="0"/>
-              <a:t>6/10/2021</a:t>
+              <a:t>6/15/2021</a:t>
             </a:fld>
             <a:endParaRPr lang="en-US"/>
           </a:p>
@@ -3563,7 +3568,7 @@
           <a:p>
             <a:fld id="{0BF73752-FC71-40FD-A77E-6A1B9FD54918}" type="datetime1">
               <a:rPr lang="en-US" smtClean="0"/>
-              <a:t>6/10/2021</a:t>
+              <a:t>6/15/2021</a:t>
             </a:fld>
             <a:endParaRPr lang="en-US"/>
           </a:p>
@@ -3773,7 +3778,7 @@
           <a:p>
             <a:fld id="{1D2D0C79-6C6F-41CF-AA6D-C1EBBB03A21F}" type="datetime1">
               <a:rPr lang="en-US" smtClean="0"/>
-              <a:t>6/10/2021</a:t>
+              <a:t>6/15/2021</a:t>
             </a:fld>
             <a:endParaRPr lang="en-US"/>
           </a:p>
@@ -3973,7 +3978,7 @@
           <a:p>
             <a:fld id="{83A7F25B-10B0-43BF-ABF8-3A60DECE8302}" type="datetime1">
               <a:rPr lang="en-US" smtClean="0"/>
-              <a:t>6/10/2021</a:t>
+              <a:t>6/15/2021</a:t>
             </a:fld>
             <a:endParaRPr lang="en-US"/>
           </a:p>
@@ -4081,7 +4086,7 @@
         </p:nvSpPr>
         <p:spPr>
           <a:xfrm>
-            <a:off x="831853" y="1709738"/>
+            <a:off x="831853" y="1709742"/>
             <a:ext cx="10515600" cy="2852737"/>
           </a:xfrm>
         </p:spPr>
@@ -4119,7 +4124,7 @@
         </p:nvSpPr>
         <p:spPr>
           <a:xfrm>
-            <a:off x="831853" y="4589465"/>
+            <a:off x="831853" y="4589469"/>
             <a:ext cx="10515600" cy="1500187"/>
           </a:xfrm>
         </p:spPr>
@@ -4136,7 +4141,7 @@
                 </a:solidFill>
               </a:defRPr>
             </a:lvl1pPr>
-            <a:lvl2pPr marL="457211" indent="0">
+            <a:lvl2pPr marL="457199" indent="0">
               <a:buNone/>
               <a:defRPr sz="2000">
                 <a:solidFill>
@@ -4146,7 +4151,7 @@
                 </a:solidFill>
               </a:defRPr>
             </a:lvl2pPr>
-            <a:lvl3pPr marL="914422" indent="0">
+            <a:lvl3pPr marL="914400" indent="0">
               <a:buNone/>
               <a:defRPr sz="1801">
                 <a:solidFill>
@@ -4156,7 +4161,7 @@
                 </a:solidFill>
               </a:defRPr>
             </a:lvl3pPr>
-            <a:lvl4pPr marL="1371635" indent="0">
+            <a:lvl4pPr marL="1371600" indent="0">
               <a:buNone/>
               <a:defRPr sz="1600">
                 <a:solidFill>
@@ -4166,7 +4171,7 @@
                 </a:solidFill>
               </a:defRPr>
             </a:lvl4pPr>
-            <a:lvl5pPr marL="1828846" indent="0">
+            <a:lvl5pPr marL="1828801" indent="0">
               <a:buNone/>
               <a:defRPr sz="1600">
                 <a:solidFill>
@@ -4176,7 +4181,7 @@
                 </a:solidFill>
               </a:defRPr>
             </a:lvl5pPr>
-            <a:lvl6pPr marL="2286057" indent="0">
+            <a:lvl6pPr marL="2286000" indent="0">
               <a:buNone/>
               <a:defRPr sz="1600">
                 <a:solidFill>
@@ -4186,7 +4191,7 @@
                 </a:solidFill>
               </a:defRPr>
             </a:lvl6pPr>
-            <a:lvl7pPr marL="2743268" indent="0">
+            <a:lvl7pPr marL="2743199" indent="0">
               <a:buNone/>
               <a:defRPr sz="1600">
                 <a:solidFill>
@@ -4196,7 +4201,7 @@
                 </a:solidFill>
               </a:defRPr>
             </a:lvl7pPr>
-            <a:lvl8pPr marL="3200481" indent="0">
+            <a:lvl8pPr marL="3200401" indent="0">
               <a:buNone/>
               <a:defRPr sz="1600">
                 <a:solidFill>
@@ -4206,7 +4211,7 @@
                 </a:solidFill>
               </a:defRPr>
             </a:lvl8pPr>
-            <a:lvl9pPr marL="3657692" indent="0">
+            <a:lvl9pPr marL="3657601" indent="0">
               <a:buNone/>
               <a:defRPr sz="1600">
                 <a:solidFill>
@@ -4249,7 +4254,7 @@
           <a:p>
             <a:fld id="{BDB3D96F-1C71-473A-AB1B-4210EA5D3BBC}" type="datetime1">
               <a:rPr lang="en-US" smtClean="0"/>
-              <a:t>6/10/2021</a:t>
+              <a:t>6/15/2021</a:t>
             </a:fld>
             <a:endParaRPr lang="en-US"/>
           </a:p>
@@ -4517,7 +4522,7 @@
           <a:p>
             <a:fld id="{12FEB268-6E43-4B67-A5E0-B60D02FF589D}" type="datetime1">
               <a:rPr lang="en-US" smtClean="0"/>
-              <a:t>6/10/2021</a:t>
+              <a:t>6/15/2021</a:t>
             </a:fld>
             <a:endParaRPr lang="en-US"/>
           </a:p>
@@ -4625,7 +4630,7 @@
         </p:nvSpPr>
         <p:spPr>
           <a:xfrm>
-            <a:off x="839789" y="365125"/>
+            <a:off x="839789" y="365129"/>
             <a:ext cx="10515600" cy="1325563"/>
           </a:xfrm>
         </p:spPr>
@@ -4659,7 +4664,7 @@
         </p:nvSpPr>
         <p:spPr>
           <a:xfrm>
-            <a:off x="839791" y="1681163"/>
+            <a:off x="839793" y="1681163"/>
             <a:ext cx="5157787" cy="823912"/>
           </a:xfrm>
         </p:spPr>
@@ -4670,35 +4675,35 @@
               <a:buNone/>
               <a:defRPr sz="2400" b="1"/>
             </a:lvl1pPr>
-            <a:lvl2pPr marL="457211" indent="0">
+            <a:lvl2pPr marL="457199" indent="0">
               <a:buNone/>
               <a:defRPr sz="2000" b="1"/>
             </a:lvl2pPr>
-            <a:lvl3pPr marL="914422" indent="0">
+            <a:lvl3pPr marL="914400" indent="0">
               <a:buNone/>
               <a:defRPr sz="1801" b="1"/>
             </a:lvl3pPr>
-            <a:lvl4pPr marL="1371635" indent="0">
+            <a:lvl4pPr marL="1371600" indent="0">
               <a:buNone/>
               <a:defRPr sz="1600" b="1"/>
             </a:lvl4pPr>
-            <a:lvl5pPr marL="1828846" indent="0">
+            <a:lvl5pPr marL="1828801" indent="0">
               <a:buNone/>
               <a:defRPr sz="1600" b="1"/>
             </a:lvl5pPr>
-            <a:lvl6pPr marL="2286057" indent="0">
+            <a:lvl6pPr marL="2286000" indent="0">
               <a:buNone/>
               <a:defRPr sz="1600" b="1"/>
             </a:lvl6pPr>
-            <a:lvl7pPr marL="2743268" indent="0">
+            <a:lvl7pPr marL="2743199" indent="0">
               <a:buNone/>
               <a:defRPr sz="1600" b="1"/>
             </a:lvl7pPr>
-            <a:lvl8pPr marL="3200481" indent="0">
+            <a:lvl8pPr marL="3200401" indent="0">
               <a:buNone/>
               <a:defRPr sz="1600" b="1"/>
             </a:lvl8pPr>
-            <a:lvl9pPr marL="3657692" indent="0">
+            <a:lvl9pPr marL="3657601" indent="0">
               <a:buNone/>
               <a:defRPr sz="1600" b="1"/>
             </a:lvl9pPr>
@@ -4730,7 +4735,7 @@
         </p:nvSpPr>
         <p:spPr>
           <a:xfrm>
-            <a:off x="839791" y="2505076"/>
+            <a:off x="839793" y="2505076"/>
             <a:ext cx="5157787" cy="3684588"/>
           </a:xfrm>
         </p:spPr>
@@ -4804,35 +4809,35 @@
               <a:buNone/>
               <a:defRPr sz="2400" b="1"/>
             </a:lvl1pPr>
-            <a:lvl2pPr marL="457211" indent="0">
+            <a:lvl2pPr marL="457199" indent="0">
               <a:buNone/>
               <a:defRPr sz="2000" b="1"/>
             </a:lvl2pPr>
-            <a:lvl3pPr marL="914422" indent="0">
+            <a:lvl3pPr marL="914400" indent="0">
               <a:buNone/>
               <a:defRPr sz="1801" b="1"/>
             </a:lvl3pPr>
-            <a:lvl4pPr marL="1371635" indent="0">
+            <a:lvl4pPr marL="1371600" indent="0">
               <a:buNone/>
               <a:defRPr sz="1600" b="1"/>
             </a:lvl4pPr>
-            <a:lvl5pPr marL="1828846" indent="0">
+            <a:lvl5pPr marL="1828801" indent="0">
               <a:buNone/>
               <a:defRPr sz="1600" b="1"/>
             </a:lvl5pPr>
-            <a:lvl6pPr marL="2286057" indent="0">
+            <a:lvl6pPr marL="2286000" indent="0">
               <a:buNone/>
               <a:defRPr sz="1600" b="1"/>
             </a:lvl6pPr>
-            <a:lvl7pPr marL="2743268" indent="0">
+            <a:lvl7pPr marL="2743199" indent="0">
               <a:buNone/>
               <a:defRPr sz="1600" b="1"/>
             </a:lvl7pPr>
-            <a:lvl8pPr marL="3200481" indent="0">
+            <a:lvl8pPr marL="3200401" indent="0">
               <a:buNone/>
               <a:defRPr sz="1600" b="1"/>
             </a:lvl8pPr>
-            <a:lvl9pPr marL="3657692" indent="0">
+            <a:lvl9pPr marL="3657601" indent="0">
               <a:buNone/>
               <a:defRPr sz="1600" b="1"/>
             </a:lvl9pPr>
@@ -4932,7 +4937,7 @@
           <a:p>
             <a:fld id="{B4171674-8A59-446B-9843-55B1DD7DD758}" type="datetime1">
               <a:rPr lang="en-US" smtClean="0"/>
-              <a:t>6/10/2021</a:t>
+              <a:t>6/15/2021</a:t>
             </a:fld>
             <a:endParaRPr lang="en-US"/>
           </a:p>
@@ -5074,7 +5079,7 @@
           <a:p>
             <a:fld id="{2E0EC46D-D099-42AC-867D-3AB47EEB51EB}" type="datetime1">
               <a:rPr lang="en-US" smtClean="0"/>
-              <a:t>6/10/2021</a:t>
+              <a:t>6/15/2021</a:t>
             </a:fld>
             <a:endParaRPr lang="en-US"/>
           </a:p>
@@ -5187,7 +5192,7 @@
           <a:p>
             <a:fld id="{B41743CA-F2F1-4909-93D8-74AE7A3619F0}" type="datetime1">
               <a:rPr lang="en-US" smtClean="0"/>
-              <a:t>6/10/2021</a:t>
+              <a:t>6/15/2021</a:t>
             </a:fld>
             <a:endParaRPr lang="en-US"/>
           </a:p>
@@ -5333,7 +5338,7 @@
         </p:nvSpPr>
         <p:spPr>
           <a:xfrm>
-            <a:off x="5183190" y="987425"/>
+            <a:off x="5183193" y="987429"/>
             <a:ext cx="6172201" cy="4873625"/>
           </a:xfrm>
         </p:spPr>
@@ -5435,35 +5440,35 @@
               <a:buNone/>
               <a:defRPr sz="1600"/>
             </a:lvl1pPr>
-            <a:lvl2pPr marL="457211" indent="0">
+            <a:lvl2pPr marL="457199" indent="0">
               <a:buNone/>
               <a:defRPr sz="1401"/>
             </a:lvl2pPr>
-            <a:lvl3pPr marL="914422" indent="0">
+            <a:lvl3pPr marL="914400" indent="0">
               <a:buNone/>
               <a:defRPr sz="1200"/>
             </a:lvl3pPr>
-            <a:lvl4pPr marL="1371635" indent="0">
+            <a:lvl4pPr marL="1371600" indent="0">
               <a:buNone/>
               <a:defRPr sz="1001"/>
             </a:lvl4pPr>
-            <a:lvl5pPr marL="1828846" indent="0">
+            <a:lvl5pPr marL="1828801" indent="0">
               <a:buNone/>
               <a:defRPr sz="1001"/>
             </a:lvl5pPr>
-            <a:lvl6pPr marL="2286057" indent="0">
+            <a:lvl6pPr marL="2286000" indent="0">
               <a:buNone/>
               <a:defRPr sz="1001"/>
             </a:lvl6pPr>
-            <a:lvl7pPr marL="2743268" indent="0">
+            <a:lvl7pPr marL="2743199" indent="0">
               <a:buNone/>
               <a:defRPr sz="1001"/>
             </a:lvl7pPr>
-            <a:lvl8pPr marL="3200481" indent="0">
+            <a:lvl8pPr marL="3200401" indent="0">
               <a:buNone/>
               <a:defRPr sz="1001"/>
             </a:lvl8pPr>
-            <a:lvl9pPr marL="3657692" indent="0">
+            <a:lvl9pPr marL="3657601" indent="0">
               <a:buNone/>
               <a:defRPr sz="1001"/>
             </a:lvl9pPr>
@@ -5500,7 +5505,7 @@
           <a:p>
             <a:fld id="{E8BBBDDC-B19D-412F-A7BF-9841AE449926}" type="datetime1">
               <a:rPr lang="en-US" smtClean="0"/>
-              <a:t>6/10/2021</a:t>
+              <a:t>6/15/2021</a:t>
             </a:fld>
             <a:endParaRPr lang="en-US"/>
           </a:p>
@@ -5646,7 +5651,7 @@
         </p:nvSpPr>
         <p:spPr>
           <a:xfrm>
-            <a:off x="5183190" y="987425"/>
+            <a:off x="5183193" y="987429"/>
             <a:ext cx="6172201" cy="4873625"/>
           </a:xfrm>
         </p:spPr>
@@ -5657,35 +5662,35 @@
               <a:buNone/>
               <a:defRPr sz="3200"/>
             </a:lvl1pPr>
-            <a:lvl2pPr marL="457211" indent="0">
+            <a:lvl2pPr marL="457199" indent="0">
               <a:buNone/>
               <a:defRPr sz="2800"/>
             </a:lvl2pPr>
-            <a:lvl3pPr marL="914422" indent="0">
+            <a:lvl3pPr marL="914400" indent="0">
               <a:buNone/>
               <a:defRPr sz="2400"/>
             </a:lvl3pPr>
-            <a:lvl4pPr marL="1371635" indent="0">
+            <a:lvl4pPr marL="1371600" indent="0">
               <a:buNone/>
               <a:defRPr sz="2000"/>
             </a:lvl4pPr>
-            <a:lvl5pPr marL="1828846" indent="0">
+            <a:lvl5pPr marL="1828801" indent="0">
               <a:buNone/>
               <a:defRPr sz="2000"/>
             </a:lvl5pPr>
-            <a:lvl6pPr marL="2286057" indent="0">
+            <a:lvl6pPr marL="2286000" indent="0">
               <a:buNone/>
               <a:defRPr sz="2000"/>
             </a:lvl6pPr>
-            <a:lvl7pPr marL="2743268" indent="0">
+            <a:lvl7pPr marL="2743199" indent="0">
               <a:buNone/>
               <a:defRPr sz="2000"/>
             </a:lvl7pPr>
-            <a:lvl8pPr marL="3200481" indent="0">
+            <a:lvl8pPr marL="3200401" indent="0">
               <a:buNone/>
               <a:defRPr sz="2000"/>
             </a:lvl8pPr>
-            <a:lvl9pPr marL="3657692" indent="0">
+            <a:lvl9pPr marL="3657601" indent="0">
               <a:buNone/>
               <a:defRPr sz="2000"/>
             </a:lvl9pPr>
@@ -5724,35 +5729,35 @@
               <a:buNone/>
               <a:defRPr sz="1600"/>
             </a:lvl1pPr>
-            <a:lvl2pPr marL="457211" indent="0">
+            <a:lvl2pPr marL="457199" indent="0">
               <a:buNone/>
               <a:defRPr sz="1401"/>
             </a:lvl2pPr>
-            <a:lvl3pPr marL="914422" indent="0">
+            <a:lvl3pPr marL="914400" indent="0">
               <a:buNone/>
               <a:defRPr sz="1200"/>
             </a:lvl3pPr>
-            <a:lvl4pPr marL="1371635" indent="0">
+            <a:lvl4pPr marL="1371600" indent="0">
               <a:buNone/>
               <a:defRPr sz="1001"/>
             </a:lvl4pPr>
-            <a:lvl5pPr marL="1828846" indent="0">
+            <a:lvl5pPr marL="1828801" indent="0">
               <a:buNone/>
               <a:defRPr sz="1001"/>
             </a:lvl5pPr>
-            <a:lvl6pPr marL="2286057" indent="0">
+            <a:lvl6pPr marL="2286000" indent="0">
               <a:buNone/>
               <a:defRPr sz="1001"/>
             </a:lvl6pPr>
-            <a:lvl7pPr marL="2743268" indent="0">
+            <a:lvl7pPr marL="2743199" indent="0">
               <a:buNone/>
               <a:defRPr sz="1001"/>
             </a:lvl7pPr>
-            <a:lvl8pPr marL="3200481" indent="0">
+            <a:lvl8pPr marL="3200401" indent="0">
               <a:buNone/>
               <a:defRPr sz="1001"/>
             </a:lvl8pPr>
-            <a:lvl9pPr marL="3657692" indent="0">
+            <a:lvl9pPr marL="3657601" indent="0">
               <a:buNone/>
               <a:defRPr sz="1001"/>
             </a:lvl9pPr>
@@ -5789,7 +5794,7 @@
           <a:p>
             <a:fld id="{6D572D86-2016-4BA6-A0C7-DA70CAC52E22}" type="datetime1">
               <a:rPr lang="en-US" smtClean="0"/>
-              <a:t>6/10/2021</a:t>
+              <a:t>6/15/2021</a:t>
             </a:fld>
             <a:endParaRPr lang="en-US"/>
           </a:p>
@@ -5902,7 +5907,7 @@
         </p:nvSpPr>
         <p:spPr>
           <a:xfrm>
-            <a:off x="838204" y="365125"/>
+            <a:off x="838204" y="365129"/>
             <a:ext cx="10515600" cy="1325563"/>
           </a:xfrm>
           <a:prstGeom prst="rect">
@@ -6009,7 +6014,7 @@
         </p:nvSpPr>
         <p:spPr>
           <a:xfrm>
-            <a:off x="838201" y="6356352"/>
+            <a:off x="838201" y="6356356"/>
             <a:ext cx="2743200" cy="365125"/>
           </a:xfrm>
           <a:prstGeom prst="rect">
@@ -6032,7 +6037,7 @@
           <a:p>
             <a:fld id="{604F3503-0743-4D35-B74B-BCB081EA7D83}" type="datetime1">
               <a:rPr lang="en-US" smtClean="0"/>
-              <a:t>6/10/2021</a:t>
+              <a:t>6/15/2021</a:t>
             </a:fld>
             <a:endParaRPr lang="en-US"/>
           </a:p>
@@ -6056,7 +6061,7 @@
         </p:nvSpPr>
         <p:spPr>
           <a:xfrm>
-            <a:off x="4038604" y="6356352"/>
+            <a:off x="4038604" y="6356356"/>
             <a:ext cx="4114800" cy="365125"/>
           </a:xfrm>
           <a:prstGeom prst="rect">
@@ -6099,7 +6104,7 @@
         </p:nvSpPr>
         <p:spPr>
           <a:xfrm>
-            <a:off x="8610601" y="6356352"/>
+            <a:off x="8610601" y="6356356"/>
             <a:ext cx="2743200" cy="365125"/>
           </a:xfrm>
           <a:prstGeom prst="rect">
@@ -6152,7 +6157,7 @@
   <p:hf hdr="0" ftr="0" dt="0"/>
   <p:txStyles>
     <p:titleStyle>
-      <a:lvl1pPr algn="l" defTabSz="914422" rtl="0" eaLnBrk="1" latinLnBrk="0" hangingPunct="1">
+      <a:lvl1pPr algn="l" defTabSz="914400" rtl="0" eaLnBrk="1" latinLnBrk="0" hangingPunct="1">
         <a:lnSpc>
           <a:spcPct val="90000"/>
         </a:lnSpc>
@@ -6171,7 +6176,7 @@
       </a:lvl1pPr>
     </p:titleStyle>
     <p:bodyStyle>
-      <a:lvl1pPr marL="228607" indent="-228607" algn="l" defTabSz="914422" rtl="0" eaLnBrk="1" latinLnBrk="0" hangingPunct="1">
+      <a:lvl1pPr marL="228601" indent="-228601" algn="l" defTabSz="914400" rtl="0" eaLnBrk="1" latinLnBrk="0" hangingPunct="1">
         <a:lnSpc>
           <a:spcPct val="90000"/>
         </a:lnSpc>
@@ -6189,7 +6194,7 @@
           <a:cs typeface="+mn-cs"/>
         </a:defRPr>
       </a:lvl1pPr>
-      <a:lvl2pPr marL="685818" indent="-228607" algn="l" defTabSz="914422" rtl="0" eaLnBrk="1" latinLnBrk="0" hangingPunct="1">
+      <a:lvl2pPr marL="685802" indent="-228601" algn="l" defTabSz="914400" rtl="0" eaLnBrk="1" latinLnBrk="0" hangingPunct="1">
         <a:lnSpc>
           <a:spcPct val="90000"/>
         </a:lnSpc>
@@ -6207,7 +6212,7 @@
           <a:cs typeface="+mn-cs"/>
         </a:defRPr>
       </a:lvl2pPr>
-      <a:lvl3pPr marL="1143029" indent="-228607" algn="l" defTabSz="914422" rtl="0" eaLnBrk="1" latinLnBrk="0" hangingPunct="1">
+      <a:lvl3pPr marL="1143001" indent="-228601" algn="l" defTabSz="914400" rtl="0" eaLnBrk="1" latinLnBrk="0" hangingPunct="1">
         <a:lnSpc>
           <a:spcPct val="90000"/>
         </a:lnSpc>
@@ -6225,7 +6230,7 @@
           <a:cs typeface="+mn-cs"/>
         </a:defRPr>
       </a:lvl3pPr>
-      <a:lvl4pPr marL="1600240" indent="-228607" algn="l" defTabSz="914422" rtl="0" eaLnBrk="1" latinLnBrk="0" hangingPunct="1">
+      <a:lvl4pPr marL="1600200" indent="-228601" algn="l" defTabSz="914400" rtl="0" eaLnBrk="1" latinLnBrk="0" hangingPunct="1">
         <a:lnSpc>
           <a:spcPct val="90000"/>
         </a:lnSpc>
@@ -6243,7 +6248,7 @@
           <a:cs typeface="+mn-cs"/>
         </a:defRPr>
       </a:lvl4pPr>
-      <a:lvl5pPr marL="2057453" indent="-228607" algn="l" defTabSz="914422" rtl="0" eaLnBrk="1" latinLnBrk="0" hangingPunct="1">
+      <a:lvl5pPr marL="2057402" indent="-228601" algn="l" defTabSz="914400" rtl="0" eaLnBrk="1" latinLnBrk="0" hangingPunct="1">
         <a:lnSpc>
           <a:spcPct val="90000"/>
         </a:lnSpc>
@@ -6261,7 +6266,7 @@
           <a:cs typeface="+mn-cs"/>
         </a:defRPr>
       </a:lvl5pPr>
-      <a:lvl6pPr marL="2514664" indent="-228607" algn="l" defTabSz="914422" rtl="0" eaLnBrk="1" latinLnBrk="0" hangingPunct="1">
+      <a:lvl6pPr marL="2514601" indent="-228601" algn="l" defTabSz="914400" rtl="0" eaLnBrk="1" latinLnBrk="0" hangingPunct="1">
         <a:lnSpc>
           <a:spcPct val="90000"/>
         </a:lnSpc>
@@ -6279,7 +6284,7 @@
           <a:cs typeface="+mn-cs"/>
         </a:defRPr>
       </a:lvl6pPr>
-      <a:lvl7pPr marL="2971875" indent="-228607" algn="l" defTabSz="914422" rtl="0" eaLnBrk="1" latinLnBrk="0" hangingPunct="1">
+      <a:lvl7pPr marL="2971800" indent="-228601" algn="l" defTabSz="914400" rtl="0" eaLnBrk="1" latinLnBrk="0" hangingPunct="1">
         <a:lnSpc>
           <a:spcPct val="90000"/>
         </a:lnSpc>
@@ -6297,7 +6302,7 @@
           <a:cs typeface="+mn-cs"/>
         </a:defRPr>
       </a:lvl7pPr>
-      <a:lvl8pPr marL="3429086" indent="-228607" algn="l" defTabSz="914422" rtl="0" eaLnBrk="1" latinLnBrk="0" hangingPunct="1">
+      <a:lvl8pPr marL="3429001" indent="-228601" algn="l" defTabSz="914400" rtl="0" eaLnBrk="1" latinLnBrk="0" hangingPunct="1">
         <a:lnSpc>
           <a:spcPct val="90000"/>
         </a:lnSpc>
@@ -6315,7 +6320,7 @@
           <a:cs typeface="+mn-cs"/>
         </a:defRPr>
       </a:lvl8pPr>
-      <a:lvl9pPr marL="3886297" indent="-228607" algn="l" defTabSz="914422" rtl="0" eaLnBrk="1" latinLnBrk="0" hangingPunct="1">
+      <a:lvl9pPr marL="3886200" indent="-228601" algn="l" defTabSz="914400" rtl="0" eaLnBrk="1" latinLnBrk="0" hangingPunct="1">
         <a:lnSpc>
           <a:spcPct val="90000"/>
         </a:lnSpc>
@@ -6338,7 +6343,7 @@
       <a:defPPr>
         <a:defRPr lang="en-US"/>
       </a:defPPr>
-      <a:lvl1pPr marL="0" algn="l" defTabSz="914422" rtl="0" eaLnBrk="1" latinLnBrk="0" hangingPunct="1">
+      <a:lvl1pPr marL="0" algn="l" defTabSz="914400" rtl="0" eaLnBrk="1" latinLnBrk="0" hangingPunct="1">
         <a:defRPr sz="1801" kern="1200">
           <a:solidFill>
             <a:schemeClr val="tx1"/>
@@ -6348,7 +6353,7 @@
           <a:cs typeface="+mn-cs"/>
         </a:defRPr>
       </a:lvl1pPr>
-      <a:lvl2pPr marL="457211" algn="l" defTabSz="914422" rtl="0" eaLnBrk="1" latinLnBrk="0" hangingPunct="1">
+      <a:lvl2pPr marL="457199" algn="l" defTabSz="914400" rtl="0" eaLnBrk="1" latinLnBrk="0" hangingPunct="1">
         <a:defRPr sz="1801" kern="1200">
           <a:solidFill>
             <a:schemeClr val="tx1"/>
@@ -6358,7 +6363,7 @@
           <a:cs typeface="+mn-cs"/>
         </a:defRPr>
       </a:lvl2pPr>
-      <a:lvl3pPr marL="914422" algn="l" defTabSz="914422" rtl="0" eaLnBrk="1" latinLnBrk="0" hangingPunct="1">
+      <a:lvl3pPr marL="914400" algn="l" defTabSz="914400" rtl="0" eaLnBrk="1" latinLnBrk="0" hangingPunct="1">
         <a:defRPr sz="1801" kern="1200">
           <a:solidFill>
             <a:schemeClr val="tx1"/>
@@ -6368,7 +6373,7 @@
           <a:cs typeface="+mn-cs"/>
         </a:defRPr>
       </a:lvl3pPr>
-      <a:lvl4pPr marL="1371635" algn="l" defTabSz="914422" rtl="0" eaLnBrk="1" latinLnBrk="0" hangingPunct="1">
+      <a:lvl4pPr marL="1371600" algn="l" defTabSz="914400" rtl="0" eaLnBrk="1" latinLnBrk="0" hangingPunct="1">
         <a:defRPr sz="1801" kern="1200">
           <a:solidFill>
             <a:schemeClr val="tx1"/>
@@ -6378,7 +6383,7 @@
           <a:cs typeface="+mn-cs"/>
         </a:defRPr>
       </a:lvl4pPr>
-      <a:lvl5pPr marL="1828846" algn="l" defTabSz="914422" rtl="0" eaLnBrk="1" latinLnBrk="0" hangingPunct="1">
+      <a:lvl5pPr marL="1828801" algn="l" defTabSz="914400" rtl="0" eaLnBrk="1" latinLnBrk="0" hangingPunct="1">
         <a:defRPr sz="1801" kern="1200">
           <a:solidFill>
             <a:schemeClr val="tx1"/>
@@ -6388,7 +6393,7 @@
           <a:cs typeface="+mn-cs"/>
         </a:defRPr>
       </a:lvl5pPr>
-      <a:lvl6pPr marL="2286057" algn="l" defTabSz="914422" rtl="0" eaLnBrk="1" latinLnBrk="0" hangingPunct="1">
+      <a:lvl6pPr marL="2286000" algn="l" defTabSz="914400" rtl="0" eaLnBrk="1" latinLnBrk="0" hangingPunct="1">
         <a:defRPr sz="1801" kern="1200">
           <a:solidFill>
             <a:schemeClr val="tx1"/>
@@ -6398,7 +6403,7 @@
           <a:cs typeface="+mn-cs"/>
         </a:defRPr>
       </a:lvl6pPr>
-      <a:lvl7pPr marL="2743268" algn="l" defTabSz="914422" rtl="0" eaLnBrk="1" latinLnBrk="0" hangingPunct="1">
+      <a:lvl7pPr marL="2743199" algn="l" defTabSz="914400" rtl="0" eaLnBrk="1" latinLnBrk="0" hangingPunct="1">
         <a:defRPr sz="1801" kern="1200">
           <a:solidFill>
             <a:schemeClr val="tx1"/>
@@ -6408,7 +6413,7 @@
           <a:cs typeface="+mn-cs"/>
         </a:defRPr>
       </a:lvl7pPr>
-      <a:lvl8pPr marL="3200481" algn="l" defTabSz="914422" rtl="0" eaLnBrk="1" latinLnBrk="0" hangingPunct="1">
+      <a:lvl8pPr marL="3200401" algn="l" defTabSz="914400" rtl="0" eaLnBrk="1" latinLnBrk="0" hangingPunct="1">
         <a:defRPr sz="1801" kern="1200">
           <a:solidFill>
             <a:schemeClr val="tx1"/>
@@ -6418,7 +6423,7 @@
           <a:cs typeface="+mn-cs"/>
         </a:defRPr>
       </a:lvl8pPr>
-      <a:lvl9pPr marL="3657692" algn="l" defTabSz="914422" rtl="0" eaLnBrk="1" latinLnBrk="0" hangingPunct="1">
+      <a:lvl9pPr marL="3657601" algn="l" defTabSz="914400" rtl="0" eaLnBrk="1" latinLnBrk="0" hangingPunct="1">
         <a:defRPr sz="1801" kern="1200">
           <a:solidFill>
             <a:schemeClr val="tx1"/>
@@ -6578,8 +6583,8 @@
         </p:nvSpPr>
         <p:spPr>
           <a:xfrm>
-            <a:off x="5" y="2207603"/>
-            <a:ext cx="12191998" cy="3162146"/>
+            <a:off x="6" y="2207603"/>
+            <a:ext cx="12191999" cy="3162147"/>
           </a:xfrm>
           <a:prstGeom prst="rect">
             <a:avLst/>
@@ -6662,8 +6667,8 @@
         </p:nvSpPr>
         <p:spPr>
           <a:xfrm>
-            <a:off x="1100052" y="947775"/>
-            <a:ext cx="9799330" cy="1935061"/>
+            <a:off x="1100052" y="947776"/>
+            <a:ext cx="9799331" cy="1935061"/>
           </a:xfrm>
           <a:effectLst>
             <a:outerShdw blurRad="50800" dist="38100" dir="2700000" algn="tl" rotWithShape="0">
@@ -6740,7 +6745,7 @@
         </p:nvSpPr>
         <p:spPr>
           <a:xfrm>
-            <a:off x="10145171" y="3370603"/>
+            <a:off x="10145174" y="3370606"/>
             <a:ext cx="754213" cy="480553"/>
           </a:xfrm>
           <a:effectLst>
@@ -6798,7 +6803,7 @@
         </p:nvSpPr>
         <p:spPr>
           <a:xfrm>
-            <a:off x="1100054" y="6289946"/>
+            <a:off x="1100055" y="6289947"/>
             <a:ext cx="3498647" cy="380444"/>
           </a:xfrm>
           <a:prstGeom prst="rect">
@@ -7026,7 +7031,7 @@
         </p:blipFill>
         <p:spPr>
           <a:xfrm>
-            <a:off x="9810163" y="310398"/>
+            <a:off x="9810165" y="310399"/>
             <a:ext cx="1978219" cy="778988"/>
           </a:xfrm>
           <a:prstGeom prst="rect">
@@ -7050,8 +7055,8 @@
         </p:nvSpPr>
         <p:spPr>
           <a:xfrm>
-            <a:off x="1100052" y="3096422"/>
-            <a:ext cx="9799330" cy="2755865"/>
+            <a:off x="1100052" y="3096424"/>
+            <a:ext cx="9799331" cy="2755865"/>
           </a:xfrm>
           <a:prstGeom prst="rect">
             <a:avLst/>
@@ -7286,7 +7291,7 @@
         <p:spPr>
           <a:xfrm>
             <a:off x="1100052" y="2989629"/>
-            <a:ext cx="9799330" cy="0"/>
+            <a:ext cx="9799331" cy="0"/>
           </a:xfrm>
           <a:prstGeom prst="line">
             <a:avLst/>
@@ -7364,7 +7369,7 @@
         </p:nvSpPr>
         <p:spPr>
           <a:xfrm>
-            <a:off x="5750010" y="3429000"/>
+            <a:off x="5750013" y="3429003"/>
             <a:ext cx="691979" cy="691979"/>
           </a:xfrm>
           <a:prstGeom prst="flowChartConnector">
@@ -7427,7 +7432,7 @@
         </p:nvSpPr>
         <p:spPr>
           <a:xfrm>
-            <a:off x="7326399" y="3429000"/>
+            <a:off x="7326401" y="3429003"/>
             <a:ext cx="691979" cy="691979"/>
           </a:xfrm>
           <a:prstGeom prst="flowChartConnector">
@@ -7493,7 +7498,7 @@
         </p:nvSpPr>
         <p:spPr>
           <a:xfrm>
-            <a:off x="4167852" y="3429000"/>
+            <a:off x="4167855" y="3429003"/>
             <a:ext cx="691979" cy="691979"/>
           </a:xfrm>
           <a:prstGeom prst="flowChartConnector">
@@ -7556,7 +7561,7 @@
         </p:nvSpPr>
         <p:spPr>
           <a:xfrm>
-            <a:off x="0" y="0"/>
+            <a:off x="0" y="1"/>
             <a:ext cx="12192000" cy="1234732"/>
           </a:xfrm>
           <a:prstGeom prst="rect">
@@ -7612,7 +7617,7 @@
         </p:nvSpPr>
         <p:spPr>
           <a:xfrm>
-            <a:off x="838204" y="182566"/>
+            <a:off x="838204" y="182568"/>
             <a:ext cx="10515600" cy="869605"/>
           </a:xfrm>
         </p:spPr>
@@ -7733,7 +7738,7 @@
         </p:nvSpPr>
         <p:spPr>
           <a:xfrm>
-            <a:off x="2256468" y="4233765"/>
+            <a:off x="2256469" y="4233768"/>
             <a:ext cx="1359708" cy="323167"/>
           </a:xfrm>
           <a:prstGeom prst="rect">
@@ -7778,7 +7783,7 @@
         </p:nvSpPr>
         <p:spPr>
           <a:xfrm>
-            <a:off x="2590332" y="3429000"/>
+            <a:off x="2590335" y="3429003"/>
             <a:ext cx="691979" cy="691979"/>
           </a:xfrm>
           <a:prstGeom prst="flowChartConnector">
@@ -7841,7 +7846,7 @@
         </p:nvSpPr>
         <p:spPr>
           <a:xfrm>
-            <a:off x="8909689" y="3429000"/>
+            <a:off x="8909692" y="3429003"/>
             <a:ext cx="691979" cy="691979"/>
           </a:xfrm>
           <a:prstGeom prst="flowChartConnector">
@@ -7904,7 +7909,7 @@
         </p:nvSpPr>
         <p:spPr>
           <a:xfrm>
-            <a:off x="3833026" y="4233614"/>
+            <a:off x="3833027" y="4233617"/>
             <a:ext cx="1359708" cy="323167"/>
           </a:xfrm>
           <a:prstGeom prst="rect">
@@ -7949,8 +7954,8 @@
         </p:nvSpPr>
         <p:spPr>
           <a:xfrm>
-            <a:off x="5295103" y="4235294"/>
-            <a:ext cx="1608670" cy="323167"/>
+            <a:off x="5295103" y="4235298"/>
+            <a:ext cx="1608671" cy="323167"/>
           </a:xfrm>
           <a:prstGeom prst="rect">
             <a:avLst/>
@@ -7999,7 +8004,7 @@
         </p:nvSpPr>
         <p:spPr>
           <a:xfrm>
-            <a:off x="8468220" y="4227598"/>
+            <a:off x="8468221" y="4227598"/>
             <a:ext cx="1574916" cy="985272"/>
           </a:xfrm>
           <a:prstGeom prst="rect">
@@ -8120,7 +8125,7 @@
         </p:nvSpPr>
         <p:spPr>
           <a:xfrm>
-            <a:off x="6995984" y="4235294"/>
+            <a:off x="6995985" y="4235298"/>
             <a:ext cx="1359708" cy="323167"/>
           </a:xfrm>
           <a:prstGeom prst="rect">
@@ -8167,7 +8172,7 @@
         </p:nvCxnSpPr>
         <p:spPr>
           <a:xfrm>
-            <a:off x="5026024" y="3767844"/>
+            <a:off x="5026025" y="3767844"/>
             <a:ext cx="538164" cy="0"/>
           </a:xfrm>
           <a:prstGeom prst="line">
@@ -8205,7 +8210,7 @@
         </p:nvCxnSpPr>
         <p:spPr>
           <a:xfrm>
-            <a:off x="6597649" y="3767844"/>
+            <a:off x="6597650" y="3767844"/>
             <a:ext cx="538164" cy="0"/>
           </a:xfrm>
           <a:prstGeom prst="line">
@@ -8243,7 +8248,7 @@
         </p:nvCxnSpPr>
         <p:spPr>
           <a:xfrm>
-            <a:off x="8188020" y="3767844"/>
+            <a:off x="8188021" y="3767844"/>
             <a:ext cx="538164" cy="0"/>
           </a:xfrm>
           <a:prstGeom prst="line">
@@ -8317,7 +8322,7 @@
         </p:nvSpPr>
         <p:spPr>
           <a:xfrm>
-            <a:off x="0" y="0"/>
+            <a:off x="0" y="1"/>
             <a:ext cx="12192000" cy="1234732"/>
           </a:xfrm>
           <a:prstGeom prst="rect">
@@ -8373,7 +8378,7 @@
         </p:nvSpPr>
         <p:spPr>
           <a:xfrm>
-            <a:off x="838204" y="182566"/>
+            <a:off x="838204" y="182568"/>
             <a:ext cx="10515600" cy="869605"/>
           </a:xfrm>
         </p:spPr>
@@ -8473,8 +8478,8 @@
         </p:blipFill>
         <p:spPr>
           <a:xfrm>
-            <a:off x="8121085" y="4735706"/>
-            <a:ext cx="1486254" cy="1486254"/>
+            <a:off x="8121086" y="4735706"/>
+            <a:ext cx="1486255" cy="1486255"/>
           </a:xfrm>
           <a:prstGeom prst="rect">
             <a:avLst/>
@@ -8495,8 +8500,8 @@
         </p:nvSpPr>
         <p:spPr>
           <a:xfrm>
-            <a:off x="2377514" y="3057258"/>
-            <a:ext cx="1855401" cy="484974"/>
+            <a:off x="2377517" y="3057258"/>
+            <a:ext cx="1855401" cy="484975"/>
           </a:xfrm>
           <a:prstGeom prst="roundRect">
             <a:avLst/>
@@ -8552,8 +8557,8 @@
         </p:nvSpPr>
         <p:spPr>
           <a:xfrm>
-            <a:off x="735402" y="4296397"/>
-            <a:ext cx="1855401" cy="484974"/>
+            <a:off x="735404" y="4296398"/>
+            <a:ext cx="1855401" cy="484975"/>
           </a:xfrm>
           <a:prstGeom prst="roundRect">
             <a:avLst/>
@@ -8609,8 +8614,8 @@
         </p:nvSpPr>
         <p:spPr>
           <a:xfrm>
-            <a:off x="4017409" y="4296397"/>
-            <a:ext cx="1855401" cy="484974"/>
+            <a:off x="4017413" y="4296398"/>
+            <a:ext cx="1855401" cy="484975"/>
           </a:xfrm>
           <a:prstGeom prst="roundRect">
             <a:avLst/>
@@ -8740,7 +8745,7 @@
         </p:nvSpPr>
         <p:spPr>
           <a:xfrm rot="19040237">
-            <a:off x="3628406" y="5255536"/>
+            <a:off x="3628407" y="5255536"/>
             <a:ext cx="1196674" cy="369460"/>
           </a:xfrm>
           <a:prstGeom prst="rect">
@@ -8775,7 +8780,7 @@
         </p:nvSpPr>
         <p:spPr>
           <a:xfrm>
-            <a:off x="1452814" y="3564424"/>
+            <a:off x="1452815" y="3564424"/>
             <a:ext cx="1251112" cy="369460"/>
           </a:xfrm>
           <a:prstGeom prst="rect">
@@ -8810,7 +8815,7 @@
         </p:nvSpPr>
         <p:spPr>
           <a:xfrm rot="2700000">
-            <a:off x="1469650" y="5450371"/>
+            <a:off x="1469651" y="5450371"/>
             <a:ext cx="1391252" cy="176212"/>
           </a:xfrm>
           <a:prstGeom prst="rightArrow">
@@ -8867,7 +8872,7 @@
         </p:nvSpPr>
         <p:spPr>
           <a:xfrm rot="18900000">
-            <a:off x="3708186" y="5475171"/>
+            <a:off x="3708187" y="5475171"/>
             <a:ext cx="1391252" cy="176212"/>
           </a:xfrm>
           <a:prstGeom prst="rightArrow">
@@ -8924,7 +8929,7 @@
         </p:nvSpPr>
         <p:spPr>
           <a:xfrm rot="16200000">
-            <a:off x="4406585" y="3296505"/>
+            <a:off x="4406589" y="3296508"/>
             <a:ext cx="972121" cy="733531"/>
           </a:xfrm>
           <a:prstGeom prst="bentUpArrow">
@@ -8982,7 +8987,7 @@
         </p:nvSpPr>
         <p:spPr>
           <a:xfrm rot="10800000">
-            <a:off x="1362029" y="3238503"/>
+            <a:off x="1362030" y="3238503"/>
             <a:ext cx="716343" cy="910828"/>
           </a:xfrm>
           <a:prstGeom prst="bentUpArrow">
@@ -9040,8 +9045,8 @@
         </p:nvSpPr>
         <p:spPr>
           <a:xfrm>
-            <a:off x="4116276" y="3549981"/>
-            <a:ext cx="1143138" cy="369460"/>
+            <a:off x="4116276" y="3549982"/>
+            <a:ext cx="1143139" cy="369460"/>
           </a:xfrm>
           <a:prstGeom prst="rect">
             <a:avLst/>
@@ -9089,7 +9094,7 @@
         </p:blipFill>
         <p:spPr>
           <a:xfrm>
-            <a:off x="7828260" y="1668520"/>
+            <a:off x="7828263" y="1668520"/>
             <a:ext cx="1779079" cy="960424"/>
           </a:xfrm>
           <a:prstGeom prst="rect">
@@ -9126,7 +9131,7 @@
         <p:spPr>
           <a:xfrm>
             <a:off x="1291392" y="1507971"/>
-            <a:ext cx="4027637" cy="1281522"/>
+            <a:ext cx="4027637" cy="1281523"/>
           </a:xfrm>
           <a:prstGeom prst="rect">
             <a:avLst/>
@@ -9164,7 +9169,7 @@
         </p:blipFill>
         <p:spPr>
           <a:xfrm>
-            <a:off x="6691464" y="2796733"/>
+            <a:off x="6691467" y="2796734"/>
             <a:ext cx="3838277" cy="1919140"/>
           </a:xfrm>
           <a:prstGeom prst="rect">
@@ -9789,7 +9794,7 @@
         </p:nvSpPr>
         <p:spPr>
           <a:xfrm>
-            <a:off x="0" y="0"/>
+            <a:off x="0" y="1"/>
             <a:ext cx="12192000" cy="1234732"/>
           </a:xfrm>
           <a:prstGeom prst="rect">
@@ -9845,7 +9850,7 @@
         </p:nvSpPr>
         <p:spPr>
           <a:xfrm>
-            <a:off x="838204" y="182566"/>
+            <a:off x="838204" y="182568"/>
             <a:ext cx="10515600" cy="869605"/>
           </a:xfrm>
         </p:spPr>
@@ -9895,7 +9900,7 @@
         </p:nvSpPr>
         <p:spPr>
           <a:xfrm>
-            <a:off x="8615364" y="6356354"/>
+            <a:off x="8615364" y="6356356"/>
             <a:ext cx="2743200" cy="365125"/>
           </a:xfrm>
         </p:spPr>
@@ -9947,8 +9952,8 @@
         </p:blipFill>
         <p:spPr>
           <a:xfrm>
-            <a:off x="872990" y="2777988"/>
-            <a:ext cx="1447708" cy="806846"/>
+            <a:off x="872991" y="2777989"/>
+            <a:ext cx="1447708" cy="806847"/>
           </a:xfrm>
           <a:prstGeom prst="rect">
             <a:avLst/>
@@ -9983,7 +9988,7 @@
         </p:blipFill>
         <p:spPr>
           <a:xfrm>
-            <a:off x="1119030" y="1607087"/>
+            <a:off x="1119031" y="1607087"/>
             <a:ext cx="939324" cy="939324"/>
           </a:xfrm>
           <a:prstGeom prst="rect">
@@ -10019,8 +10024,8 @@
         </p:blipFill>
         <p:spPr>
           <a:xfrm>
-            <a:off x="997788" y="4756666"/>
-            <a:ext cx="885102" cy="1088415"/>
+            <a:off x="997789" y="4756667"/>
+            <a:ext cx="885103" cy="1088415"/>
           </a:xfrm>
           <a:prstGeom prst="rect">
             <a:avLst/>
@@ -10055,8 +10060,8 @@
         </p:blipFill>
         <p:spPr>
           <a:xfrm>
-            <a:off x="738741" y="4041988"/>
-            <a:ext cx="1716206" cy="503596"/>
+            <a:off x="738742" y="4041989"/>
+            <a:ext cx="1716207" cy="503596"/>
           </a:xfrm>
           <a:prstGeom prst="rect">
             <a:avLst/>
@@ -10077,7 +10082,7 @@
         </p:nvSpPr>
         <p:spPr>
           <a:xfrm>
-            <a:off x="2089713" y="1878120"/>
+            <a:off x="2089717" y="1878120"/>
             <a:ext cx="3961405" cy="369460"/>
           </a:xfrm>
           <a:prstGeom prst="rect">
@@ -10112,7 +10117,7 @@
         </p:nvSpPr>
         <p:spPr>
           <a:xfrm>
-            <a:off x="2454948" y="3215499"/>
+            <a:off x="2454949" y="3215499"/>
             <a:ext cx="3641052" cy="369460"/>
           </a:xfrm>
           <a:prstGeom prst="rect">
@@ -10151,7 +10156,7 @@
         </p:nvSpPr>
         <p:spPr>
           <a:xfrm>
-            <a:off x="2506226" y="4084714"/>
+            <a:off x="2506229" y="4084714"/>
             <a:ext cx="1381917" cy="369460"/>
           </a:xfrm>
           <a:prstGeom prst="rect">
@@ -10236,7 +10241,7 @@
         </p:nvSpPr>
         <p:spPr>
           <a:xfrm>
-            <a:off x="6525469" y="3977319"/>
+            <a:off x="6525473" y="3977319"/>
             <a:ext cx="2548133" cy="369460"/>
           </a:xfrm>
           <a:prstGeom prst="rect">
@@ -10282,7 +10287,7 @@
         </p:nvSpPr>
         <p:spPr>
           <a:xfrm>
-            <a:off x="6525465" y="2433095"/>
+            <a:off x="6525466" y="2433095"/>
             <a:ext cx="2556982" cy="369460"/>
           </a:xfrm>
           <a:prstGeom prst="rect">
@@ -10362,7 +10367,7 @@
         </p:nvSpPr>
         <p:spPr>
           <a:xfrm>
-            <a:off x="6388308" y="1996308"/>
+            <a:off x="6388312" y="1996312"/>
             <a:ext cx="137161" cy="137161"/>
           </a:xfrm>
           <a:prstGeom prst="star5">
@@ -10422,7 +10427,7 @@
         </p:nvSpPr>
         <p:spPr>
           <a:xfrm>
-            <a:off x="6388308" y="2549183"/>
+            <a:off x="6388312" y="2549186"/>
             <a:ext cx="137161" cy="137161"/>
           </a:xfrm>
           <a:prstGeom prst="star5">
@@ -10485,7 +10490,7 @@
           </p:nvPr>
         </p:nvGraphicFramePr>
         <p:xfrm>
-          <a:off x="6310561" y="2847361"/>
+          <a:off x="6310565" y="2847361"/>
           <a:ext cx="5238313" cy="1088416"/>
         </p:xfrm>
         <a:graphic>
@@ -10508,7 +10513,7 @@
         </p:nvSpPr>
         <p:spPr>
           <a:xfrm>
-            <a:off x="9622805" y="3247106"/>
+            <a:off x="9622806" y="3247109"/>
             <a:ext cx="300082" cy="276999"/>
           </a:xfrm>
           <a:prstGeom prst="rect">
@@ -10543,7 +10548,7 @@
         </p:nvSpPr>
         <p:spPr>
           <a:xfrm>
-            <a:off x="7564782" y="3243616"/>
+            <a:off x="7564783" y="3243620"/>
             <a:ext cx="695772" cy="276999"/>
           </a:xfrm>
           <a:prstGeom prst="rect">
@@ -10580,7 +10585,7 @@
         </p:nvSpPr>
         <p:spPr>
           <a:xfrm>
-            <a:off x="6388308" y="4093407"/>
+            <a:off x="6388312" y="4093410"/>
             <a:ext cx="137161" cy="137161"/>
           </a:xfrm>
           <a:prstGeom prst="star5">
@@ -11326,8 +11331,8 @@
         </p:nvSpPr>
         <p:spPr>
           <a:xfrm>
-            <a:off x="2402451" y="1875789"/>
-            <a:ext cx="3129642" cy="369460"/>
+            <a:off x="2402451" y="1875790"/>
+            <a:ext cx="3129643" cy="369460"/>
           </a:xfrm>
           <a:prstGeom prst="rect">
             <a:avLst/>
@@ -11361,7 +11366,7 @@
         </p:nvSpPr>
         <p:spPr>
           <a:xfrm>
-            <a:off x="0" y="0"/>
+            <a:off x="0" y="1"/>
             <a:ext cx="12192000" cy="1234732"/>
           </a:xfrm>
           <a:prstGeom prst="rect">
@@ -11417,7 +11422,7 @@
         </p:nvSpPr>
         <p:spPr>
           <a:xfrm>
-            <a:off x="838204" y="182566"/>
+            <a:off x="838204" y="182568"/>
             <a:ext cx="10515600" cy="869605"/>
           </a:xfrm>
         </p:spPr>
@@ -11514,7 +11519,7 @@
         </p:blipFill>
         <p:spPr>
           <a:xfrm>
-            <a:off x="2402451" y="2359499"/>
+            <a:off x="2402454" y="2359502"/>
             <a:ext cx="7552637" cy="3018925"/>
           </a:xfrm>
           <a:prstGeom prst="rect">
@@ -11538,7 +11543,7 @@
         </p:nvCxnSpPr>
         <p:spPr>
           <a:xfrm flipH="1">
-            <a:off x="4676702" y="2060456"/>
+            <a:off x="4676704" y="2060456"/>
             <a:ext cx="401405" cy="0"/>
           </a:xfrm>
           <a:prstGeom prst="straightConnector1">
@@ -11580,8 +11585,8 @@
         </p:nvCxnSpPr>
         <p:spPr>
           <a:xfrm flipH="1">
-            <a:off x="8076036" y="4083536"/>
-            <a:ext cx="271902" cy="355840"/>
+            <a:off x="8076037" y="4083536"/>
+            <a:ext cx="271903" cy="355840"/>
           </a:xfrm>
           <a:prstGeom prst="straightConnector1">
             <a:avLst/>
@@ -11623,7 +11628,7 @@
         </p:nvSpPr>
         <p:spPr>
           <a:xfrm>
-            <a:off x="6983532" y="2482128"/>
+            <a:off x="6983536" y="2482131"/>
             <a:ext cx="549833" cy="943395"/>
           </a:xfrm>
           <a:prstGeom prst="rightBrace">
@@ -11965,7 +11970,7 @@
         </p:blipFill>
         <p:spPr>
           <a:xfrm>
-            <a:off x="181741" y="1582458"/>
+            <a:off x="181742" y="1582459"/>
             <a:ext cx="6663447" cy="4239388"/>
           </a:xfrm>
           <a:prstGeom prst="rect">
@@ -11987,7 +11992,7 @@
         </p:nvSpPr>
         <p:spPr>
           <a:xfrm>
-            <a:off x="0" y="0"/>
+            <a:off x="0" y="1"/>
             <a:ext cx="12192000" cy="1234732"/>
           </a:xfrm>
           <a:prstGeom prst="rect">
@@ -12043,7 +12048,7 @@
         </p:nvSpPr>
         <p:spPr>
           <a:xfrm>
-            <a:off x="838204" y="182566"/>
+            <a:off x="838204" y="182568"/>
             <a:ext cx="10515600" cy="869605"/>
           </a:xfrm>
         </p:spPr>
@@ -12126,7 +12131,7 @@
         </p:nvSpPr>
         <p:spPr>
           <a:xfrm>
-            <a:off x="6917990" y="1614115"/>
+            <a:off x="6917993" y="1614115"/>
             <a:ext cx="2505109" cy="369460"/>
           </a:xfrm>
           <a:prstGeom prst="rect">
@@ -12163,7 +12168,7 @@
         </p:nvCxnSpPr>
         <p:spPr>
           <a:xfrm>
-            <a:off x="6243305" y="3316093"/>
+            <a:off x="6243305" y="3316097"/>
             <a:ext cx="0" cy="225817"/>
           </a:xfrm>
           <a:prstGeom prst="straightConnector1">
@@ -12220,8 +12225,8 @@
         </p:blipFill>
         <p:spPr>
           <a:xfrm>
-            <a:off x="7037325" y="2020309"/>
-            <a:ext cx="4578946" cy="2006942"/>
+            <a:off x="7037325" y="2020310"/>
+            <a:ext cx="4578947" cy="2006943"/>
           </a:xfrm>
           <a:prstGeom prst="rect">
             <a:avLst/>
@@ -12244,7 +12249,7 @@
         </p:nvCxnSpPr>
         <p:spPr>
           <a:xfrm flipH="1">
-            <a:off x="10253293" y="2319631"/>
+            <a:off x="10253294" y="2319633"/>
             <a:ext cx="244324" cy="162443"/>
           </a:xfrm>
           <a:prstGeom prst="straightConnector1">
@@ -12289,7 +12294,7 @@
         </p:nvCxnSpPr>
         <p:spPr>
           <a:xfrm flipH="1">
-            <a:off x="10842380" y="2921726"/>
+            <a:off x="10842380" y="2921727"/>
             <a:ext cx="322008" cy="0"/>
           </a:xfrm>
           <a:prstGeom prst="straightConnector1">
@@ -12332,7 +12337,7 @@
         </p:nvSpPr>
         <p:spPr>
           <a:xfrm>
-            <a:off x="8029303" y="2473234"/>
+            <a:off x="8029305" y="2473236"/>
             <a:ext cx="448491" cy="343989"/>
           </a:xfrm>
           <a:prstGeom prst="ellipse">
@@ -12708,7 +12713,7 @@
         </p:nvSpPr>
         <p:spPr>
           <a:xfrm>
-            <a:off x="0" y="0"/>
+            <a:off x="0" y="1"/>
             <a:ext cx="12192000" cy="1234732"/>
           </a:xfrm>
           <a:prstGeom prst="rect">
@@ -12764,7 +12769,7 @@
         </p:nvSpPr>
         <p:spPr>
           <a:xfrm>
-            <a:off x="838204" y="182566"/>
+            <a:off x="838204" y="182568"/>
             <a:ext cx="10515600" cy="869605"/>
           </a:xfrm>
         </p:spPr>
@@ -12861,7 +12866,7 @@
         </p:blipFill>
         <p:spPr>
           <a:xfrm>
-            <a:off x="5560225" y="-1"/>
+            <a:off x="5560226" y="0"/>
             <a:ext cx="4840201" cy="6844757"/>
           </a:xfrm>
           <a:prstGeom prst="rect">
@@ -12921,7 +12926,7 @@
         </p:nvSpPr>
         <p:spPr>
           <a:xfrm>
-            <a:off x="8906663" y="3429000"/>
+            <a:off x="8906665" y="3429003"/>
             <a:ext cx="691979" cy="691979"/>
           </a:xfrm>
           <a:prstGeom prst="flowChartConnector">
@@ -12987,7 +12992,7 @@
         </p:nvSpPr>
         <p:spPr>
           <a:xfrm>
-            <a:off x="5758224" y="3429000"/>
+            <a:off x="5758227" y="3429003"/>
             <a:ext cx="691979" cy="691979"/>
           </a:xfrm>
           <a:prstGeom prst="flowChartConnector">
@@ -13050,7 +13055,7 @@
         </p:nvSpPr>
         <p:spPr>
           <a:xfrm>
-            <a:off x="5760012" y="3429000"/>
+            <a:off x="5760015" y="3429003"/>
             <a:ext cx="691979" cy="691979"/>
           </a:xfrm>
           <a:prstGeom prst="flowChartConnector">
@@ -13113,7 +13118,7 @@
         </p:nvSpPr>
         <p:spPr>
           <a:xfrm>
-            <a:off x="4167852" y="3429000"/>
+            <a:off x="4167855" y="3429003"/>
             <a:ext cx="691979" cy="691979"/>
           </a:xfrm>
           <a:prstGeom prst="flowChartConnector">
@@ -13176,7 +13181,7 @@
         </p:nvSpPr>
         <p:spPr>
           <a:xfrm>
-            <a:off x="0" y="0"/>
+            <a:off x="0" y="1"/>
             <a:ext cx="12192000" cy="1234732"/>
           </a:xfrm>
           <a:prstGeom prst="rect">
@@ -13232,7 +13237,7 @@
         </p:nvSpPr>
         <p:spPr>
           <a:xfrm>
-            <a:off x="838204" y="182566"/>
+            <a:off x="838204" y="182568"/>
             <a:ext cx="10515600" cy="869605"/>
           </a:xfrm>
         </p:spPr>
@@ -13353,7 +13358,7 @@
         </p:nvSpPr>
         <p:spPr>
           <a:xfrm>
-            <a:off x="2256468" y="4233765"/>
+            <a:off x="2256469" y="4233768"/>
             <a:ext cx="1359708" cy="323167"/>
           </a:xfrm>
           <a:prstGeom prst="rect">
@@ -13398,7 +13403,7 @@
         </p:nvSpPr>
         <p:spPr>
           <a:xfrm>
-            <a:off x="2590332" y="3429000"/>
+            <a:off x="2590335" y="3429003"/>
             <a:ext cx="691979" cy="691979"/>
           </a:xfrm>
           <a:prstGeom prst="flowChartConnector">
@@ -13461,7 +13466,7 @@
         </p:nvSpPr>
         <p:spPr>
           <a:xfrm>
-            <a:off x="7329849" y="3429000"/>
+            <a:off x="7329852" y="3429003"/>
             <a:ext cx="691979" cy="691979"/>
           </a:xfrm>
           <a:prstGeom prst="flowChartConnector">
@@ -13524,7 +13529,7 @@
         </p:nvSpPr>
         <p:spPr>
           <a:xfrm>
-            <a:off x="3833026" y="4233614"/>
+            <a:off x="3833027" y="4233617"/>
             <a:ext cx="1359708" cy="323167"/>
           </a:xfrm>
           <a:prstGeom prst="rect">
@@ -13569,8 +13574,8 @@
         </p:nvSpPr>
         <p:spPr>
           <a:xfrm>
-            <a:off x="5295103" y="4235294"/>
-            <a:ext cx="1608670" cy="323167"/>
+            <a:off x="5295103" y="4235298"/>
+            <a:ext cx="1608671" cy="323167"/>
           </a:xfrm>
           <a:prstGeom prst="rect">
             <a:avLst/>
@@ -13619,7 +13624,7 @@
         </p:nvSpPr>
         <p:spPr>
           <a:xfrm>
-            <a:off x="8468220" y="4227598"/>
+            <a:off x="8468221" y="4227598"/>
             <a:ext cx="1574916" cy="985272"/>
           </a:xfrm>
           <a:prstGeom prst="rect">
@@ -13740,7 +13745,7 @@
         </p:nvSpPr>
         <p:spPr>
           <a:xfrm>
-            <a:off x="6995984" y="4235294"/>
+            <a:off x="6995985" y="4235298"/>
             <a:ext cx="1359708" cy="323167"/>
           </a:xfrm>
           <a:prstGeom prst="rect">
@@ -13787,7 +13792,7 @@
         </p:nvCxnSpPr>
         <p:spPr>
           <a:xfrm>
-            <a:off x="5026024" y="3767844"/>
+            <a:off x="5026025" y="3767844"/>
             <a:ext cx="538164" cy="0"/>
           </a:xfrm>
           <a:prstGeom prst="line">
@@ -13825,7 +13830,7 @@
         </p:nvCxnSpPr>
         <p:spPr>
           <a:xfrm>
-            <a:off x="6597649" y="3767844"/>
+            <a:off x="6597650" y="3767844"/>
             <a:ext cx="538164" cy="0"/>
           </a:xfrm>
           <a:prstGeom prst="line">
@@ -13863,7 +13868,7 @@
         </p:nvCxnSpPr>
         <p:spPr>
           <a:xfrm>
-            <a:off x="8188020" y="3767844"/>
+            <a:off x="8188021" y="3767844"/>
             <a:ext cx="538164" cy="0"/>
           </a:xfrm>
           <a:prstGeom prst="line">
@@ -13938,13 +13943,13 @@
           <p:nvPr>
             <p:extLst>
               <p:ext uri="{D42A27DB-BD31-4B8C-83A1-F6EECF244321}">
-                <p14:modId xmlns:p14="http://schemas.microsoft.com/office/powerpoint/2010/main" val="4207631507"/>
+                <p14:modId xmlns:p14="http://schemas.microsoft.com/office/powerpoint/2010/main" val="614006251"/>
               </p:ext>
             </p:extLst>
           </p:nvPr>
         </p:nvGraphicFramePr>
         <p:xfrm>
-          <a:off x="4014465" y="2011697"/>
+          <a:off x="4370445" y="2011697"/>
           <a:ext cx="4459024" cy="3520912"/>
         </p:xfrm>
         <a:graphic>
@@ -13983,7 +13988,7 @@
                   </a:extLst>
                 </a:gridCol>
               </a:tblGrid>
-              <a:tr h="888050">
+              <a:tr h="888051">
                 <a:tc>
                   <a:txBody>
                     <a:bodyPr/>
@@ -15204,7 +15209,7 @@
         </p:nvSpPr>
         <p:spPr>
           <a:xfrm>
-            <a:off x="0" y="0"/>
+            <a:off x="0" y="1"/>
             <a:ext cx="12192000" cy="1234732"/>
           </a:xfrm>
           <a:prstGeom prst="rect">
@@ -15260,7 +15265,7 @@
         </p:nvSpPr>
         <p:spPr>
           <a:xfrm>
-            <a:off x="838204" y="182566"/>
+            <a:off x="838204" y="182568"/>
             <a:ext cx="10515600" cy="869605"/>
           </a:xfrm>
         </p:spPr>
@@ -15343,7 +15348,7 @@
         </p:nvSpPr>
         <p:spPr>
           <a:xfrm>
-            <a:off x="854293" y="2529864"/>
+            <a:off x="568114" y="2529864"/>
             <a:ext cx="1757597" cy="400110"/>
           </a:xfrm>
           <a:prstGeom prst="rect">
@@ -15395,7 +15400,7 @@
         </p:blipFill>
         <p:spPr>
           <a:xfrm>
-            <a:off x="2621923" y="2529864"/>
+            <a:off x="2335743" y="2529865"/>
             <a:ext cx="369332" cy="369332"/>
           </a:xfrm>
           <a:prstGeom prst="rect">
@@ -15417,7 +15422,7 @@
         </p:nvSpPr>
         <p:spPr>
           <a:xfrm>
-            <a:off x="854296" y="3007873"/>
+            <a:off x="568117" y="3007873"/>
             <a:ext cx="1647759" cy="400110"/>
           </a:xfrm>
           <a:prstGeom prst="rect">
@@ -15469,7 +15474,7 @@
         </p:blipFill>
         <p:spPr>
           <a:xfrm>
-            <a:off x="2500788" y="3007875"/>
+            <a:off x="2214609" y="3007875"/>
             <a:ext cx="369332" cy="369332"/>
           </a:xfrm>
           <a:prstGeom prst="rect">
@@ -15491,7 +15496,7 @@
         </p:nvSpPr>
         <p:spPr>
           <a:xfrm>
-            <a:off x="854293" y="3492102"/>
+            <a:off x="568114" y="3492103"/>
             <a:ext cx="1927066" cy="400110"/>
           </a:xfrm>
           <a:prstGeom prst="rect">
@@ -15543,8 +15548,8 @@
         </p:blipFill>
         <p:spPr>
           <a:xfrm>
-            <a:off x="2777755" y="3492105"/>
-            <a:ext cx="369332" cy="369332"/>
+            <a:off x="2497253" y="3506411"/>
+            <a:ext cx="362055" cy="362055"/>
           </a:xfrm>
           <a:prstGeom prst="rect">
             <a:avLst/>
@@ -15565,8 +15570,8 @@
         </p:nvSpPr>
         <p:spPr>
           <a:xfrm>
-            <a:off x="841595" y="3976331"/>
-            <a:ext cx="2362185" cy="400110"/>
+            <a:off x="592426" y="3984893"/>
+            <a:ext cx="3457228" cy="400110"/>
           </a:xfrm>
           <a:prstGeom prst="rect">
             <a:avLst/>
@@ -15579,10 +15584,10 @@
           </a:bodyPr>
           <a:lstStyle/>
           <a:p>
-            <a:pPr algn="r" rtl="1"/>
+            <a:pPr rtl="1"/>
             <a:r>
               <a:rPr lang="de-DE" sz="2000" dirty="0"/>
-              <a:t>Verschiedene Kontos</a:t>
+              <a:t>Verschiedene Benutzergruppen</a:t>
             </a:r>
           </a:p>
         </p:txBody>
@@ -15618,7 +15623,7 @@
         </p:blipFill>
         <p:spPr>
           <a:xfrm>
-            <a:off x="3203780" y="3976332"/>
+            <a:off x="3948842" y="4015671"/>
             <a:ext cx="369332" cy="369332"/>
           </a:xfrm>
           <a:prstGeom prst="rect">
@@ -15640,7 +15645,7 @@
         </p:nvSpPr>
         <p:spPr>
           <a:xfrm>
-            <a:off x="854294" y="2023707"/>
+            <a:off x="568116" y="2023709"/>
             <a:ext cx="1156663" cy="492571"/>
           </a:xfrm>
           <a:prstGeom prst="rect">
@@ -15681,7 +15686,7 @@
         </p:nvSpPr>
         <p:spPr>
           <a:xfrm>
-            <a:off x="878605" y="4460529"/>
+            <a:off x="592426" y="4460529"/>
             <a:ext cx="1920782" cy="400110"/>
           </a:xfrm>
           <a:prstGeom prst="rect">
@@ -15717,7 +15722,7 @@
         </p:nvSpPr>
         <p:spPr>
           <a:xfrm>
-            <a:off x="854293" y="4947363"/>
+            <a:off x="568114" y="4947364"/>
             <a:ext cx="2556726" cy="400110"/>
           </a:xfrm>
           <a:prstGeom prst="rect">
@@ -15770,7 +15775,7 @@
         </p:blipFill>
         <p:spPr>
           <a:xfrm>
-            <a:off x="3411019" y="4962754"/>
+            <a:off x="3124839" y="4962755"/>
             <a:ext cx="369332" cy="369332"/>
           </a:xfrm>
           <a:prstGeom prst="rect">
@@ -15792,7 +15797,7 @@
         </p:nvSpPr>
         <p:spPr>
           <a:xfrm>
-            <a:off x="8610604" y="2529864"/>
+            <a:off x="8875848" y="2529864"/>
             <a:ext cx="2410981" cy="400110"/>
           </a:xfrm>
           <a:prstGeom prst="rect">
@@ -15827,7 +15832,7 @@
         </p:nvSpPr>
         <p:spPr>
           <a:xfrm>
-            <a:off x="8610601" y="3007873"/>
+            <a:off x="8875843" y="3007873"/>
             <a:ext cx="2752548" cy="400110"/>
           </a:xfrm>
           <a:prstGeom prst="rect">
@@ -15862,7 +15867,7 @@
         </p:nvSpPr>
         <p:spPr>
           <a:xfrm>
-            <a:off x="8600571" y="2037293"/>
+            <a:off x="8865813" y="2037297"/>
             <a:ext cx="1303562" cy="492571"/>
           </a:xfrm>
           <a:prstGeom prst="rect">
@@ -15889,6 +15894,45 @@
           </a:p>
         </p:txBody>
       </p:sp>
+      <p:pic>
+        <p:nvPicPr>
+          <p:cNvPr id="21" name="Graphic 20" descr="Checkmark">
+            <a:extLst>
+              <a:ext uri="{FF2B5EF4-FFF2-40B4-BE49-F238E27FC236}">
+                <a16:creationId xmlns:a16="http://schemas.microsoft.com/office/drawing/2014/main" id="{EF8E96D2-91B2-4C2F-A9B3-354E82A91470}"/>
+              </a:ext>
+            </a:extLst>
+          </p:cNvPr>
+          <p:cNvPicPr>
+            <a:picLocks noChangeAspect="1"/>
+          </p:cNvPicPr>
+          <p:nvPr/>
+        </p:nvPicPr>
+        <p:blipFill>
+          <a:blip r:embed="rId2">
+            <a:extLst>
+              <a:ext uri="{28A0092B-C50C-407E-A947-70E740481C1C}">
+                <a14:useLocalDpi xmlns:a14="http://schemas.microsoft.com/office/drawing/2010/main" val="0"/>
+              </a:ext>
+              <a:ext uri="{96DAC541-7B7A-43D3-8B79-37D633B846F1}">
+                <asvg:svgBlip xmlns:asvg="http://schemas.microsoft.com/office/drawing/2016/SVG/main" r:embed="rId3"/>
+              </a:ext>
+            </a:extLst>
+          </a:blip>
+          <a:stretch>
+            <a:fillRect/>
+          </a:stretch>
+        </p:blipFill>
+        <p:spPr>
+          <a:xfrm>
+            <a:off x="2497253" y="4485157"/>
+            <a:ext cx="362055" cy="362055"/>
+          </a:xfrm>
+          <a:prstGeom prst="rect">
+            <a:avLst/>
+          </a:prstGeom>
+        </p:spPr>
+      </p:pic>
     </p:spTree>
     <p:extLst>
       <p:ext uri="{BB962C8B-B14F-4D97-AF65-F5344CB8AC3E}">
@@ -16166,7 +16210,7 @@
                                           </p:stCondLst>
                                         </p:cTn>
                                         <p:tgtEl>
-                                          <p:spTgt spid="32"/>
+                                          <p:spTgt spid="21"/>
                                         </p:tgtEl>
                                         <p:attrNameLst>
                                           <p:attrName>style.visibility</p:attrName>
@@ -16198,7 +16242,7 @@
                             </p:stCondLst>
                             <p:childTnLst>
                               <p:par>
-                                <p:cTn id="29" presetID="1" presetClass="entr" presetSubtype="0" fill="hold" grpId="0" nodeType="clickEffect">
+                                <p:cTn id="29" presetID="1" presetClass="entr" presetSubtype="0" fill="hold" nodeType="clickEffect">
                                   <p:stCondLst>
                                     <p:cond delay="0"/>
                                   </p:stCondLst>
@@ -16206,6 +16250,51 @@
                                     <p:set>
                                       <p:cBhvr>
                                         <p:cTn id="30" dur="1" fill="hold">
+                                          <p:stCondLst>
+                                            <p:cond delay="0"/>
+                                          </p:stCondLst>
+                                        </p:cTn>
+                                        <p:tgtEl>
+                                          <p:spTgt spid="32"/>
+                                        </p:tgtEl>
+                                        <p:attrNameLst>
+                                          <p:attrName>style.visibility</p:attrName>
+                                        </p:attrNameLst>
+                                      </p:cBhvr>
+                                      <p:to>
+                                        <p:strVal val="visible"/>
+                                      </p:to>
+                                    </p:set>
+                                  </p:childTnLst>
+                                </p:cTn>
+                              </p:par>
+                            </p:childTnLst>
+                          </p:cTn>
+                        </p:par>
+                      </p:childTnLst>
+                    </p:cTn>
+                  </p:par>
+                  <p:par>
+                    <p:cTn id="31" fill="hold">
+                      <p:stCondLst>
+                        <p:cond delay="indefinite"/>
+                      </p:stCondLst>
+                      <p:childTnLst>
+                        <p:par>
+                          <p:cTn id="32" fill="hold">
+                            <p:stCondLst>
+                              <p:cond delay="0"/>
+                            </p:stCondLst>
+                            <p:childTnLst>
+                              <p:par>
+                                <p:cTn id="33" presetID="1" presetClass="entr" presetSubtype="0" fill="hold" grpId="0" nodeType="clickEffect">
+                                  <p:stCondLst>
+                                    <p:cond delay="0"/>
+                                  </p:stCondLst>
+                                  <p:childTnLst>
+                                    <p:set>
+                                      <p:cBhvr>
+                                        <p:cTn id="34" dur="1" fill="hold">
                                           <p:stCondLst>
                                             <p:cond delay="0"/>
                                           </p:stCondLst>
@@ -16225,14 +16314,14 @@
                                 </p:cTn>
                               </p:par>
                               <p:par>
-                                <p:cTn id="31" presetID="1" presetClass="entr" presetSubtype="0" fill="hold" grpId="0" nodeType="withEffect">
+                                <p:cTn id="35" presetID="1" presetClass="entr" presetSubtype="0" fill="hold" grpId="0" nodeType="withEffect">
                                   <p:stCondLst>
                                     <p:cond delay="0"/>
                                   </p:stCondLst>
                                   <p:childTnLst>
                                     <p:set>
                                       <p:cBhvr>
-                                        <p:cTn id="32" dur="1" fill="hold">
+                                        <p:cTn id="36" dur="1" fill="hold">
                                           <p:stCondLst>
                                             <p:cond delay="0"/>
                                           </p:stCondLst>
@@ -16258,26 +16347,26 @@
                     </p:cTn>
                   </p:par>
                   <p:par>
-                    <p:cTn id="33" fill="hold">
+                    <p:cTn id="37" fill="hold">
                       <p:stCondLst>
                         <p:cond delay="indefinite"/>
                       </p:stCondLst>
                       <p:childTnLst>
                         <p:par>
-                          <p:cTn id="34" fill="hold">
+                          <p:cTn id="38" fill="hold">
                             <p:stCondLst>
                               <p:cond delay="0"/>
                             </p:stCondLst>
                             <p:childTnLst>
                               <p:par>
-                                <p:cTn id="35" presetID="1" presetClass="entr" presetSubtype="0" fill="hold" grpId="0" nodeType="clickEffect">
+                                <p:cTn id="39" presetID="1" presetClass="entr" presetSubtype="0" fill="hold" grpId="0" nodeType="clickEffect">
                                   <p:stCondLst>
                                     <p:cond delay="0"/>
                                   </p:stCondLst>
                                   <p:childTnLst>
                                     <p:set>
                                       <p:cBhvr>
-                                        <p:cTn id="36" dur="1" fill="hold">
+                                        <p:cTn id="40" dur="1" fill="hold">
                                           <p:stCondLst>
                                             <p:cond delay="0"/>
                                           </p:stCondLst>
@@ -16363,7 +16452,7 @@
         </p:nvSpPr>
         <p:spPr>
           <a:xfrm>
-            <a:off x="0" y="0"/>
+            <a:off x="0" y="1"/>
             <a:ext cx="12192000" cy="1234732"/>
           </a:xfrm>
           <a:prstGeom prst="rect">
@@ -16419,7 +16508,7 @@
         </p:nvSpPr>
         <p:spPr>
           <a:xfrm>
-            <a:off x="838204" y="182566"/>
+            <a:off x="838204" y="182568"/>
             <a:ext cx="10515600" cy="869605"/>
           </a:xfrm>
         </p:spPr>
@@ -16502,7 +16591,7 @@
         </p:nvSpPr>
         <p:spPr>
           <a:xfrm>
-            <a:off x="838201" y="1809316"/>
+            <a:off x="838201" y="1809318"/>
             <a:ext cx="925446" cy="492571"/>
           </a:xfrm>
           <a:prstGeom prst="rect">
@@ -16543,7 +16632,7 @@
         </p:nvSpPr>
         <p:spPr>
           <a:xfrm>
-            <a:off x="838200" y="2264088"/>
+            <a:off x="838201" y="2264088"/>
             <a:ext cx="6094476" cy="2770630"/>
           </a:xfrm>
           <a:prstGeom prst="rect">
@@ -16566,20 +16655,12 @@
               </a:spcAft>
             </a:pPr>
             <a:r>
-              <a:rPr lang="en-US" sz="1801" dirty="0" err="1">
-                <a:latin typeface="Calibri" panose="020F0502020204030204" pitchFamily="34" charset="0"/>
-                <a:ea typeface="Calibri" panose="020F0502020204030204" pitchFamily="34" charset="0"/>
-                <a:cs typeface="Arial" panose="020B0604020202020204" pitchFamily="34" charset="0"/>
-              </a:rPr>
-              <a:t>Phpstorm</a:t>
-            </a:r>
-            <a:r>
               <a:rPr lang="en-US" sz="1801" dirty="0">
                 <a:latin typeface="Calibri" panose="020F0502020204030204" pitchFamily="34" charset="0"/>
                 <a:ea typeface="Calibri" panose="020F0502020204030204" pitchFamily="34" charset="0"/>
                 <a:cs typeface="Arial" panose="020B0604020202020204" pitchFamily="34" charset="0"/>
               </a:rPr>
-              <a:t> </a:t>
+              <a:t>Phpstorm </a:t>
             </a:r>
             <a:r>
               <a:rPr lang="en-US" sz="1801" u="sng" dirty="0">
@@ -16942,7 +17023,7 @@
         </p:nvSpPr>
         <p:spPr>
           <a:xfrm>
-            <a:off x="0" y="0"/>
+            <a:off x="0" y="1"/>
             <a:ext cx="12192000" cy="1234732"/>
           </a:xfrm>
           <a:prstGeom prst="rect">
@@ -16998,7 +17079,7 @@
         </p:nvSpPr>
         <p:spPr>
           <a:xfrm>
-            <a:off x="838204" y="182566"/>
+            <a:off x="838204" y="182568"/>
             <a:ext cx="10515600" cy="869605"/>
           </a:xfrm>
         </p:spPr>
@@ -17111,7 +17192,7 @@
         </p:nvSpPr>
         <p:spPr>
           <a:xfrm>
-            <a:off x="2256468" y="4233765"/>
+            <a:off x="2256469" y="4233768"/>
             <a:ext cx="1359708" cy="323167"/>
           </a:xfrm>
           <a:prstGeom prst="rect">
@@ -17156,7 +17237,7 @@
         </p:nvSpPr>
         <p:spPr>
           <a:xfrm>
-            <a:off x="2590332" y="3429000"/>
+            <a:off x="2590335" y="3429003"/>
             <a:ext cx="691979" cy="691979"/>
           </a:xfrm>
           <a:prstGeom prst="flowChartConnector">
@@ -17219,7 +17300,7 @@
         </p:nvSpPr>
         <p:spPr>
           <a:xfrm>
-            <a:off x="4170172" y="3429000"/>
+            <a:off x="4170175" y="3429003"/>
             <a:ext cx="691979" cy="691979"/>
           </a:xfrm>
           <a:prstGeom prst="flowChartConnector">
@@ -17282,7 +17363,7 @@
         </p:nvSpPr>
         <p:spPr>
           <a:xfrm>
-            <a:off x="5750012" y="3429000"/>
+            <a:off x="5750015" y="3429003"/>
             <a:ext cx="691979" cy="691979"/>
           </a:xfrm>
           <a:prstGeom prst="flowChartConnector">
@@ -17345,7 +17426,7 @@
         </p:nvSpPr>
         <p:spPr>
           <a:xfrm>
-            <a:off x="7329849" y="3429000"/>
+            <a:off x="7329852" y="3429003"/>
             <a:ext cx="691979" cy="691979"/>
           </a:xfrm>
           <a:prstGeom prst="flowChartConnector">
@@ -17408,7 +17489,7 @@
         </p:nvSpPr>
         <p:spPr>
           <a:xfrm>
-            <a:off x="8909689" y="3429000"/>
+            <a:off x="8909692" y="3429003"/>
             <a:ext cx="691979" cy="691979"/>
           </a:xfrm>
           <a:prstGeom prst="flowChartConnector">
@@ -17471,7 +17552,7 @@
         </p:nvSpPr>
         <p:spPr>
           <a:xfrm>
-            <a:off x="3833026" y="4233614"/>
+            <a:off x="3833027" y="4233617"/>
             <a:ext cx="1359708" cy="323167"/>
           </a:xfrm>
           <a:prstGeom prst="rect">
@@ -17516,8 +17597,8 @@
         </p:nvSpPr>
         <p:spPr>
           <a:xfrm>
-            <a:off x="5295103" y="4235294"/>
-            <a:ext cx="1608670" cy="323167"/>
+            <a:off x="5295103" y="4235298"/>
+            <a:ext cx="1608671" cy="323167"/>
           </a:xfrm>
           <a:prstGeom prst="rect">
             <a:avLst/>
@@ -17566,7 +17647,7 @@
         </p:nvSpPr>
         <p:spPr>
           <a:xfrm>
-            <a:off x="8468220" y="4227598"/>
+            <a:off x="8468221" y="4227598"/>
             <a:ext cx="1574916" cy="985272"/>
           </a:xfrm>
           <a:prstGeom prst="rect">
@@ -17687,7 +17768,7 @@
         </p:nvSpPr>
         <p:spPr>
           <a:xfrm>
-            <a:off x="6995984" y="4235294"/>
+            <a:off x="6995985" y="4235298"/>
             <a:ext cx="1359708" cy="323167"/>
           </a:xfrm>
           <a:prstGeom prst="rect">
@@ -17734,7 +17815,7 @@
         </p:nvCxnSpPr>
         <p:spPr>
           <a:xfrm>
-            <a:off x="5026024" y="3767844"/>
+            <a:off x="5026025" y="3767844"/>
             <a:ext cx="538164" cy="0"/>
           </a:xfrm>
           <a:prstGeom prst="line">
@@ -17772,7 +17853,7 @@
         </p:nvCxnSpPr>
         <p:spPr>
           <a:xfrm>
-            <a:off x="6597649" y="3767844"/>
+            <a:off x="6597650" y="3767844"/>
             <a:ext cx="538164" cy="0"/>
           </a:xfrm>
           <a:prstGeom prst="line">
@@ -17810,7 +17891,7 @@
         </p:nvCxnSpPr>
         <p:spPr>
           <a:xfrm>
-            <a:off x="8188020" y="3767844"/>
+            <a:off x="8188021" y="3767844"/>
             <a:ext cx="538164" cy="0"/>
           </a:xfrm>
           <a:prstGeom prst="line">
@@ -17884,7 +17965,7 @@
         </p:nvSpPr>
         <p:spPr>
           <a:xfrm>
-            <a:off x="2590332" y="3429000"/>
+            <a:off x="2590335" y="3429003"/>
             <a:ext cx="691979" cy="691979"/>
           </a:xfrm>
           <a:prstGeom prst="flowChartConnector">
@@ -17950,7 +18031,7 @@
         </p:nvSpPr>
         <p:spPr>
           <a:xfrm>
-            <a:off x="0" y="0"/>
+            <a:off x="0" y="1"/>
             <a:ext cx="12192000" cy="1234732"/>
           </a:xfrm>
           <a:prstGeom prst="rect">
@@ -18006,7 +18087,7 @@
         </p:nvSpPr>
         <p:spPr>
           <a:xfrm>
-            <a:off x="838204" y="182566"/>
+            <a:off x="838204" y="182568"/>
             <a:ext cx="10515600" cy="869605"/>
           </a:xfrm>
         </p:spPr>
@@ -18119,7 +18200,7 @@
         </p:nvSpPr>
         <p:spPr>
           <a:xfrm>
-            <a:off x="2256468" y="4233765"/>
+            <a:off x="2256469" y="4233768"/>
             <a:ext cx="1359708" cy="323167"/>
           </a:xfrm>
           <a:prstGeom prst="rect">
@@ -18164,7 +18245,7 @@
         </p:nvSpPr>
         <p:spPr>
           <a:xfrm>
-            <a:off x="4170172" y="3429000"/>
+            <a:off x="4170175" y="3429003"/>
             <a:ext cx="691979" cy="691979"/>
           </a:xfrm>
           <a:prstGeom prst="flowChartConnector">
@@ -18227,7 +18308,7 @@
         </p:nvSpPr>
         <p:spPr>
           <a:xfrm>
-            <a:off x="5750012" y="3429000"/>
+            <a:off x="5750015" y="3429003"/>
             <a:ext cx="691979" cy="691979"/>
           </a:xfrm>
           <a:prstGeom prst="flowChartConnector">
@@ -18290,7 +18371,7 @@
         </p:nvSpPr>
         <p:spPr>
           <a:xfrm>
-            <a:off x="7329849" y="3429000"/>
+            <a:off x="7329852" y="3429003"/>
             <a:ext cx="691979" cy="691979"/>
           </a:xfrm>
           <a:prstGeom prst="flowChartConnector">
@@ -18353,7 +18434,7 @@
         </p:nvSpPr>
         <p:spPr>
           <a:xfrm>
-            <a:off x="8909689" y="3429000"/>
+            <a:off x="8909692" y="3429003"/>
             <a:ext cx="691979" cy="691979"/>
           </a:xfrm>
           <a:prstGeom prst="flowChartConnector">
@@ -18416,7 +18497,7 @@
         </p:nvSpPr>
         <p:spPr>
           <a:xfrm>
-            <a:off x="3833026" y="4233614"/>
+            <a:off x="3833027" y="4233617"/>
             <a:ext cx="1359708" cy="323167"/>
           </a:xfrm>
           <a:prstGeom prst="rect">
@@ -18461,8 +18542,8 @@
         </p:nvSpPr>
         <p:spPr>
           <a:xfrm>
-            <a:off x="5295103" y="4235294"/>
-            <a:ext cx="1608670" cy="323167"/>
+            <a:off x="5295103" y="4235298"/>
+            <a:ext cx="1608671" cy="323167"/>
           </a:xfrm>
           <a:prstGeom prst="rect">
             <a:avLst/>
@@ -18511,7 +18592,7 @@
         </p:nvSpPr>
         <p:spPr>
           <a:xfrm>
-            <a:off x="8468220" y="4227598"/>
+            <a:off x="8468221" y="4227598"/>
             <a:ext cx="1574916" cy="985272"/>
           </a:xfrm>
           <a:prstGeom prst="rect">
@@ -18632,7 +18713,7 @@
         </p:nvSpPr>
         <p:spPr>
           <a:xfrm>
-            <a:off x="6995984" y="4235294"/>
+            <a:off x="6995985" y="4235298"/>
             <a:ext cx="1359708" cy="323167"/>
           </a:xfrm>
           <a:prstGeom prst="rect">
@@ -18679,7 +18760,7 @@
         </p:nvCxnSpPr>
         <p:spPr>
           <a:xfrm>
-            <a:off x="5026024" y="3767844"/>
+            <a:off x="5026025" y="3767844"/>
             <a:ext cx="538164" cy="0"/>
           </a:xfrm>
           <a:prstGeom prst="line">
@@ -18717,7 +18798,7 @@
         </p:nvCxnSpPr>
         <p:spPr>
           <a:xfrm>
-            <a:off x="6597649" y="3767844"/>
+            <a:off x="6597650" y="3767844"/>
             <a:ext cx="538164" cy="0"/>
           </a:xfrm>
           <a:prstGeom prst="line">
@@ -18755,7 +18836,7 @@
         </p:nvCxnSpPr>
         <p:spPr>
           <a:xfrm>
-            <a:off x="8188020" y="3767844"/>
+            <a:off x="8188021" y="3767844"/>
             <a:ext cx="538164" cy="0"/>
           </a:xfrm>
           <a:prstGeom prst="line">
@@ -18837,7 +18918,7 @@
         </p:nvSpPr>
         <p:spPr>
           <a:xfrm>
-            <a:off x="0" y="0"/>
+            <a:off x="0" y="1"/>
             <a:ext cx="12192000" cy="1234732"/>
           </a:xfrm>
           <a:prstGeom prst="rect">
@@ -18893,7 +18974,7 @@
         </p:nvSpPr>
         <p:spPr>
           <a:xfrm>
-            <a:off x="838204" y="182566"/>
+            <a:off x="838204" y="182568"/>
             <a:ext cx="10515600" cy="869605"/>
           </a:xfrm>
         </p:spPr>
@@ -19018,7 +19099,7 @@
         </p:blipFill>
         <p:spPr>
           <a:xfrm>
-            <a:off x="9488770" y="4614000"/>
+            <a:off x="9488771" y="4614004"/>
             <a:ext cx="1648852" cy="649289"/>
           </a:xfrm>
           <a:prstGeom prst="rect">
@@ -19042,7 +19123,7 @@
         </p:nvCxnSpPr>
         <p:spPr>
           <a:xfrm>
-            <a:off x="10313195" y="5410200"/>
+            <a:off x="10313195" y="5410204"/>
             <a:ext cx="0" cy="573881"/>
           </a:xfrm>
           <a:prstGeom prst="straightConnector1">
@@ -19081,7 +19162,7 @@
         </p:nvSpPr>
         <p:spPr>
           <a:xfrm>
-            <a:off x="3033459" y="1837944"/>
+            <a:off x="3033460" y="1837944"/>
             <a:ext cx="2316660" cy="400110"/>
           </a:xfrm>
           <a:prstGeom prst="rect">
@@ -19116,8 +19197,8 @@
         </p:nvSpPr>
         <p:spPr>
           <a:xfrm>
-            <a:off x="7170310" y="1837944"/>
-            <a:ext cx="1735219" cy="400110"/>
+            <a:off x="7170314" y="1837944"/>
+            <a:ext cx="1696875" cy="400110"/>
           </a:xfrm>
           <a:prstGeom prst="rect">
             <a:avLst/>
@@ -19156,8 +19237,8 @@
         </p:nvSpPr>
         <p:spPr>
           <a:xfrm>
-            <a:off x="1524002" y="2728392"/>
-            <a:ext cx="2102627" cy="400110"/>
+            <a:off x="1412323" y="2728392"/>
+            <a:ext cx="2219838" cy="400110"/>
           </a:xfrm>
           <a:prstGeom prst="rect">
             <a:avLst/>
@@ -19173,7 +19254,7 @@
             <a:pPr algn="l"/>
             <a:r>
               <a:rPr lang="de-DE" sz="2000" dirty="0"/>
-              <a:t>1 Geschäftsführer </a:t>
+              <a:t>4 Geschäftsführung</a:t>
             </a:r>
           </a:p>
         </p:txBody>
@@ -19287,7 +19368,7 @@
         </p:blipFill>
         <p:spPr>
           <a:xfrm>
-            <a:off x="1066803" y="2699847"/>
+            <a:off x="969083" y="2644007"/>
             <a:ext cx="457200" cy="457200"/>
           </a:xfrm>
           <a:prstGeom prst="rect">
@@ -19309,7 +19390,7 @@
         </p:nvSpPr>
         <p:spPr>
           <a:xfrm>
-            <a:off x="4080874" y="2703531"/>
+            <a:off x="4080875" y="2703532"/>
             <a:ext cx="2128916" cy="400110"/>
           </a:xfrm>
           <a:prstGeom prst="rect">
@@ -19353,7 +19434,7 @@
         </p:nvSpPr>
         <p:spPr>
           <a:xfrm>
-            <a:off x="6582315" y="2724458"/>
+            <a:off x="6582316" y="2724459"/>
             <a:ext cx="1826782" cy="400110"/>
           </a:xfrm>
           <a:prstGeom prst="rect">
@@ -19374,7 +19455,7 @@
                 <a:ea typeface="Calibri" panose="020F0502020204030204" pitchFamily="34" charset="0"/>
                 <a:cs typeface="Arial" panose="020B0604020202020204" pitchFamily="34" charset="0"/>
               </a:rPr>
-              <a:t>1 Webentwickler</a:t>
+              <a:t>2 Webentwickler</a:t>
             </a:r>
             <a:r>
               <a:rPr lang="de-DE" sz="2000" dirty="0"/>
@@ -19397,8 +19478,8 @@
         </p:nvSpPr>
         <p:spPr>
           <a:xfrm>
-            <a:off x="8821415" y="2703531"/>
-            <a:ext cx="2224968" cy="400110"/>
+            <a:off x="8821416" y="2703532"/>
+            <a:ext cx="2090316" cy="400110"/>
           </a:xfrm>
           <a:prstGeom prst="rect">
             <a:avLst/>
@@ -19414,7 +19495,7 @@
             <a:pPr algn="l"/>
             <a:r>
               <a:rPr lang="de-DE" sz="2000" dirty="0"/>
-              <a:t>10 Auszubildenden </a:t>
+              <a:t>10 Auszubildende </a:t>
             </a:r>
           </a:p>
         </p:txBody>
@@ -19528,7 +19609,7 @@
         </p:blipFill>
         <p:spPr>
           <a:xfrm>
-            <a:off x="8364218" y="2670037"/>
+            <a:off x="8364219" y="2670037"/>
             <a:ext cx="457200" cy="457200"/>
           </a:xfrm>
           <a:prstGeom prst="rect">
@@ -19577,7 +19658,7 @@
                   </a:schemeClr>
                 </a:solidFill>
               </a:rPr>
-              <a:t>- Mitarbeiter des Jahres -</a:t>
+              <a:t>„Mitarbeiterin des Jahres“</a:t>
             </a:r>
           </a:p>
         </p:txBody>
@@ -19613,7 +19694,7 @@
         </p:blipFill>
         <p:spPr>
           <a:xfrm>
-            <a:off x="3432717" y="3597122"/>
+            <a:off x="3432717" y="3597123"/>
             <a:ext cx="457200" cy="457200"/>
           </a:xfrm>
           <a:prstGeom prst="rect">
@@ -20250,7 +20331,7 @@
         </p:nvSpPr>
         <p:spPr>
           <a:xfrm>
-            <a:off x="4169929" y="3429000"/>
+            <a:off x="4169932" y="3429003"/>
             <a:ext cx="691979" cy="691979"/>
           </a:xfrm>
           <a:prstGeom prst="flowChartConnector">
@@ -20316,7 +20397,7 @@
         </p:nvSpPr>
         <p:spPr>
           <a:xfrm>
-            <a:off x="0" y="0"/>
+            <a:off x="0" y="1"/>
             <a:ext cx="12192000" cy="1234732"/>
           </a:xfrm>
           <a:prstGeom prst="rect">
@@ -20372,7 +20453,7 @@
         </p:nvSpPr>
         <p:spPr>
           <a:xfrm>
-            <a:off x="838204" y="182566"/>
+            <a:off x="838204" y="182568"/>
             <a:ext cx="10515600" cy="869605"/>
           </a:xfrm>
         </p:spPr>
@@ -20493,7 +20574,7 @@
         </p:nvSpPr>
         <p:spPr>
           <a:xfrm>
-            <a:off x="2256468" y="4233765"/>
+            <a:off x="2256469" y="4233768"/>
             <a:ext cx="1359708" cy="323167"/>
           </a:xfrm>
           <a:prstGeom prst="rect">
@@ -20538,7 +20619,7 @@
         </p:nvSpPr>
         <p:spPr>
           <a:xfrm>
-            <a:off x="2590332" y="3429000"/>
+            <a:off x="2590335" y="3429003"/>
             <a:ext cx="691979" cy="691979"/>
           </a:xfrm>
           <a:prstGeom prst="flowChartConnector">
@@ -20601,7 +20682,7 @@
         </p:nvSpPr>
         <p:spPr>
           <a:xfrm>
-            <a:off x="5750012" y="3429000"/>
+            <a:off x="5750015" y="3429003"/>
             <a:ext cx="691979" cy="691979"/>
           </a:xfrm>
           <a:prstGeom prst="flowChartConnector">
@@ -20664,7 +20745,7 @@
         </p:nvSpPr>
         <p:spPr>
           <a:xfrm>
-            <a:off x="7329849" y="3429000"/>
+            <a:off x="7329852" y="3429003"/>
             <a:ext cx="691979" cy="691979"/>
           </a:xfrm>
           <a:prstGeom prst="flowChartConnector">
@@ -20727,7 +20808,7 @@
         </p:nvSpPr>
         <p:spPr>
           <a:xfrm>
-            <a:off x="8909689" y="3429000"/>
+            <a:off x="8909692" y="3429003"/>
             <a:ext cx="691979" cy="691979"/>
           </a:xfrm>
           <a:prstGeom prst="flowChartConnector">
@@ -20790,7 +20871,7 @@
         </p:nvSpPr>
         <p:spPr>
           <a:xfrm>
-            <a:off x="3833026" y="4233614"/>
+            <a:off x="3833027" y="4233617"/>
             <a:ext cx="1359708" cy="323167"/>
           </a:xfrm>
           <a:prstGeom prst="rect">
@@ -20835,8 +20916,8 @@
         </p:nvSpPr>
         <p:spPr>
           <a:xfrm>
-            <a:off x="5295103" y="4235294"/>
-            <a:ext cx="1608670" cy="323167"/>
+            <a:off x="5295103" y="4235298"/>
+            <a:ext cx="1608671" cy="323167"/>
           </a:xfrm>
           <a:prstGeom prst="rect">
             <a:avLst/>
@@ -20885,7 +20966,7 @@
         </p:nvSpPr>
         <p:spPr>
           <a:xfrm>
-            <a:off x="8468220" y="4227598"/>
+            <a:off x="8468221" y="4227598"/>
             <a:ext cx="1574916" cy="985272"/>
           </a:xfrm>
           <a:prstGeom prst="rect">
@@ -21006,7 +21087,7 @@
         </p:nvSpPr>
         <p:spPr>
           <a:xfrm>
-            <a:off x="6995984" y="4235294"/>
+            <a:off x="6995985" y="4235298"/>
             <a:ext cx="1359708" cy="323167"/>
           </a:xfrm>
           <a:prstGeom prst="rect">
@@ -21053,7 +21134,7 @@
         </p:nvCxnSpPr>
         <p:spPr>
           <a:xfrm>
-            <a:off x="5026024" y="3767844"/>
+            <a:off x="5026025" y="3767844"/>
             <a:ext cx="538164" cy="0"/>
           </a:xfrm>
           <a:prstGeom prst="line">
@@ -21091,7 +21172,7 @@
         </p:nvCxnSpPr>
         <p:spPr>
           <a:xfrm>
-            <a:off x="6597649" y="3767844"/>
+            <a:off x="6597650" y="3767844"/>
             <a:ext cx="538164" cy="0"/>
           </a:xfrm>
           <a:prstGeom prst="line">
@@ -21129,7 +21210,7 @@
         </p:nvCxnSpPr>
         <p:spPr>
           <a:xfrm>
-            <a:off x="8188020" y="3767844"/>
+            <a:off x="8188021" y="3767844"/>
             <a:ext cx="538164" cy="0"/>
           </a:xfrm>
           <a:prstGeom prst="line">
@@ -21203,7 +21284,7 @@
         </p:nvSpPr>
         <p:spPr>
           <a:xfrm>
-            <a:off x="2305054" y="2951485"/>
+            <a:off x="2305055" y="2951489"/>
             <a:ext cx="7581900" cy="600057"/>
           </a:xfrm>
           <a:prstGeom prst="flowChartAlternateProcess">
@@ -21254,7 +21335,7 @@
         </p:nvSpPr>
         <p:spPr>
           <a:xfrm>
-            <a:off x="0" y="0"/>
+            <a:off x="0" y="1"/>
             <a:ext cx="12192000" cy="1234732"/>
           </a:xfrm>
           <a:prstGeom prst="rect">
@@ -21310,7 +21391,7 @@
         </p:nvSpPr>
         <p:spPr>
           <a:xfrm>
-            <a:off x="838204" y="182566"/>
+            <a:off x="838204" y="182568"/>
             <a:ext cx="10515600" cy="869605"/>
           </a:xfrm>
         </p:spPr>
@@ -21409,7 +21490,7 @@
         </p:nvSpPr>
         <p:spPr>
           <a:xfrm>
-            <a:off x="1295401" y="1857498"/>
+            <a:off x="1295401" y="1857499"/>
             <a:ext cx="2090316" cy="400110"/>
           </a:xfrm>
           <a:prstGeom prst="rect">
@@ -21487,7 +21568,7 @@
         <p:spPr>
           <a:xfrm>
             <a:off x="3838756" y="2057553"/>
-            <a:ext cx="690114" cy="0"/>
+            <a:ext cx="690115" cy="0"/>
           </a:xfrm>
           <a:prstGeom prst="straightConnector1">
             <a:avLst/>
@@ -21564,7 +21645,7 @@
         </p:nvSpPr>
         <p:spPr>
           <a:xfrm>
-            <a:off x="5390720" y="1857498"/>
+            <a:off x="5390720" y="1857499"/>
             <a:ext cx="2067810" cy="400110"/>
           </a:xfrm>
           <a:prstGeom prst="rect">
@@ -21603,7 +21684,7 @@
         <p:spPr>
           <a:xfrm>
             <a:off x="8030211" y="2057400"/>
-            <a:ext cx="690114" cy="0"/>
+            <a:ext cx="690115" cy="0"/>
           </a:xfrm>
           <a:prstGeom prst="straightConnector1">
             <a:avLst/>
@@ -21716,8 +21797,8 @@
         </p:nvSpPr>
         <p:spPr>
           <a:xfrm>
-            <a:off x="2425957" y="3057331"/>
-            <a:ext cx="7340087" cy="400110"/>
+            <a:off x="2425961" y="3057332"/>
+            <a:ext cx="7340086" cy="400110"/>
           </a:xfrm>
           <a:prstGeom prst="rect">
             <a:avLst/>
@@ -21756,7 +21837,7 @@
         </p:nvSpPr>
         <p:spPr>
           <a:xfrm>
-            <a:off x="2305054" y="3980040"/>
+            <a:off x="2305055" y="3980044"/>
             <a:ext cx="7581900" cy="600057"/>
           </a:xfrm>
           <a:prstGeom prst="flowChartAlternateProcess">
@@ -21807,7 +21888,7 @@
         </p:nvSpPr>
         <p:spPr>
           <a:xfrm>
-            <a:off x="2479657" y="4085886"/>
+            <a:off x="2479658" y="4085887"/>
             <a:ext cx="2152164" cy="400110"/>
           </a:xfrm>
           <a:prstGeom prst="rect">
@@ -21847,7 +21928,7 @@
         </p:nvSpPr>
         <p:spPr>
           <a:xfrm>
-            <a:off x="2305054" y="5008596"/>
+            <a:off x="2305055" y="5008600"/>
             <a:ext cx="7581900" cy="600057"/>
           </a:xfrm>
           <a:prstGeom prst="flowChartAlternateProcess">
@@ -21898,7 +21979,7 @@
         </p:nvSpPr>
         <p:spPr>
           <a:xfrm>
-            <a:off x="5041616" y="5114440"/>
+            <a:off x="5041617" y="5114440"/>
             <a:ext cx="2108782" cy="400110"/>
           </a:xfrm>
           <a:prstGeom prst="rect">
@@ -21938,8 +22019,8 @@
         </p:nvSpPr>
         <p:spPr>
           <a:xfrm>
-            <a:off x="4854068" y="4085886"/>
-            <a:ext cx="2313314" cy="400110"/>
+            <a:off x="4854068" y="4085887"/>
+            <a:ext cx="2313315" cy="400110"/>
           </a:xfrm>
           <a:prstGeom prst="rect">
             <a:avLst/>
@@ -21990,7 +22071,7 @@
         </p:nvSpPr>
         <p:spPr>
           <a:xfrm>
-            <a:off x="7389628" y="4085885"/>
+            <a:off x="7389631" y="4085885"/>
             <a:ext cx="2497323" cy="400110"/>
           </a:xfrm>
           <a:prstGeom prst="rect">
@@ -22032,7 +22113,7 @@
         </p:nvCxnSpPr>
         <p:spPr>
           <a:xfrm>
-            <a:off x="4598486" y="4305075"/>
+            <a:off x="4598487" y="4305075"/>
             <a:ext cx="281740" cy="0"/>
           </a:xfrm>
           <a:prstGeom prst="straightConnector1">
@@ -22076,7 +22157,7 @@
         </p:nvCxnSpPr>
         <p:spPr>
           <a:xfrm>
-            <a:off x="7150398" y="4305075"/>
+            <a:off x="7150399" y="4305075"/>
             <a:ext cx="281740" cy="0"/>
           </a:xfrm>
           <a:prstGeom prst="straightConnector1">
@@ -22793,8 +22874,8 @@
         </p:nvSpPr>
         <p:spPr>
           <a:xfrm>
-            <a:off x="1884679" y="3892550"/>
-            <a:ext cx="8422642" cy="1514475"/>
+            <a:off x="1884679" y="3892553"/>
+            <a:ext cx="8422643" cy="1514475"/>
           </a:xfrm>
           <a:prstGeom prst="flowChartAlternateProcess">
             <a:avLst/>
@@ -22853,7 +22934,7 @@
         </p:nvSpPr>
         <p:spPr>
           <a:xfrm>
-            <a:off x="2024379" y="4039094"/>
+            <a:off x="2024382" y="4039096"/>
             <a:ext cx="5619751" cy="1215029"/>
           </a:xfrm>
           <a:prstGeom prst="flowChartAlternateProcess">
@@ -22913,8 +22994,8 @@
         </p:nvSpPr>
         <p:spPr>
           <a:xfrm>
-            <a:off x="2176779" y="4231853"/>
-            <a:ext cx="2651815" cy="841374"/>
+            <a:off x="2176782" y="4231854"/>
+            <a:ext cx="2651815" cy="841375"/>
           </a:xfrm>
           <a:prstGeom prst="flowChartAlternateProcess">
             <a:avLst/>
@@ -22964,7 +23045,7 @@
         </p:nvSpPr>
         <p:spPr>
           <a:xfrm>
-            <a:off x="0" y="0"/>
+            <a:off x="0" y="1"/>
             <a:ext cx="12192000" cy="1234732"/>
           </a:xfrm>
           <a:prstGeom prst="rect">
@@ -23020,7 +23101,7 @@
         </p:nvSpPr>
         <p:spPr>
           <a:xfrm>
-            <a:off x="838204" y="182566"/>
+            <a:off x="838204" y="182568"/>
             <a:ext cx="10515600" cy="869605"/>
           </a:xfrm>
         </p:spPr>
@@ -23136,7 +23217,7 @@
         </p:blipFill>
         <p:spPr>
           <a:xfrm>
-            <a:off x="1529447" y="1603878"/>
+            <a:off x="1529447" y="1603879"/>
             <a:ext cx="914400" cy="914400"/>
           </a:xfrm>
           <a:prstGeom prst="rect">
@@ -23158,7 +23239,7 @@
         </p:nvSpPr>
         <p:spPr>
           <a:xfrm>
-            <a:off x="2443847" y="1861023"/>
+            <a:off x="2443847" y="1861024"/>
             <a:ext cx="2152164" cy="400110"/>
           </a:xfrm>
           <a:prstGeom prst="rect">
@@ -23233,7 +23314,7 @@
         </p:nvSpPr>
         <p:spPr>
           <a:xfrm>
-            <a:off x="8841360" y="1873485"/>
+            <a:off x="8841361" y="1873485"/>
             <a:ext cx="2152164" cy="400110"/>
           </a:xfrm>
           <a:prstGeom prst="rect">
@@ -23286,7 +23367,7 @@
         </p:blipFill>
         <p:spPr>
           <a:xfrm>
-            <a:off x="2205144" y="4301941"/>
+            <a:off x="2205148" y="4301945"/>
             <a:ext cx="685801" cy="685801"/>
           </a:xfrm>
           <a:prstGeom prst="rect">
@@ -23325,7 +23406,7 @@
         </p:blipFill>
         <p:spPr>
           <a:xfrm>
-            <a:off x="4435778" y="2755546"/>
+            <a:off x="4435779" y="2755547"/>
             <a:ext cx="914400" cy="914400"/>
           </a:xfrm>
           <a:prstGeom prst="rect">
@@ -23347,8 +23428,8 @@
         </p:nvSpPr>
         <p:spPr>
           <a:xfrm>
-            <a:off x="5350178" y="3012691"/>
-            <a:ext cx="2471360" cy="400110"/>
+            <a:off x="5350179" y="2866150"/>
+            <a:ext cx="2471360" cy="707886"/>
           </a:xfrm>
           <a:prstGeom prst="rect">
             <a:avLst/>
@@ -23364,7 +23445,7 @@
             <a:pPr algn="ctr" rtl="1"/>
             <a:r>
               <a:rPr lang="de-DE" sz="2000" dirty="0"/>
-              <a:t>Verschiedene Kontos</a:t>
+              <a:t>Verschiedene Benutzergruppen</a:t>
             </a:r>
           </a:p>
         </p:txBody>
@@ -23384,7 +23465,7 @@
         <p:spPr>
           <a:xfrm>
             <a:off x="2890943" y="4444785"/>
-            <a:ext cx="1718494" cy="400110"/>
+            <a:ext cx="1718495" cy="400110"/>
           </a:xfrm>
           <a:prstGeom prst="rect">
             <a:avLst/>
@@ -23436,7 +23517,7 @@
         </p:blipFill>
         <p:spPr>
           <a:xfrm>
-            <a:off x="5523837" y="4324167"/>
+            <a:off x="5523841" y="4324170"/>
             <a:ext cx="685801" cy="685801"/>
           </a:xfrm>
           <a:prstGeom prst="rect">
@@ -23458,7 +23539,7 @@
         </p:nvSpPr>
         <p:spPr>
           <a:xfrm>
-            <a:off x="6209638" y="4467012"/>
+            <a:off x="6209641" y="4467012"/>
             <a:ext cx="1164923" cy="400110"/>
           </a:xfrm>
           <a:prstGeom prst="rect">
@@ -23511,7 +23592,7 @@
         </p:blipFill>
         <p:spPr>
           <a:xfrm>
-            <a:off x="8484447" y="4324167"/>
+            <a:off x="8484450" y="4324170"/>
             <a:ext cx="685801" cy="685801"/>
           </a:xfrm>
           <a:prstGeom prst="rect">
@@ -23533,7 +23614,7 @@
         </p:nvSpPr>
         <p:spPr>
           <a:xfrm>
-            <a:off x="9170244" y="4467012"/>
+            <a:off x="9170245" y="4467012"/>
             <a:ext cx="940860" cy="400110"/>
           </a:xfrm>
           <a:prstGeom prst="rect">
@@ -24161,7 +24242,7 @@
         </p:nvSpPr>
         <p:spPr>
           <a:xfrm>
-            <a:off x="4167852" y="3429000"/>
+            <a:off x="4167855" y="3429003"/>
             <a:ext cx="691979" cy="691979"/>
           </a:xfrm>
           <a:prstGeom prst="flowChartConnector">
@@ -24224,7 +24305,7 @@
         </p:nvSpPr>
         <p:spPr>
           <a:xfrm>
-            <a:off x="5750012" y="3429000"/>
+            <a:off x="5750015" y="3429003"/>
             <a:ext cx="691979" cy="691979"/>
           </a:xfrm>
           <a:prstGeom prst="flowChartConnector">
@@ -24290,7 +24371,7 @@
         </p:nvSpPr>
         <p:spPr>
           <a:xfrm>
-            <a:off x="0" y="0"/>
+            <a:off x="0" y="1"/>
             <a:ext cx="12192000" cy="1234732"/>
           </a:xfrm>
           <a:prstGeom prst="rect">
@@ -24346,7 +24427,7 @@
         </p:nvSpPr>
         <p:spPr>
           <a:xfrm>
-            <a:off x="838204" y="182566"/>
+            <a:off x="838204" y="182568"/>
             <a:ext cx="10515600" cy="869605"/>
           </a:xfrm>
         </p:spPr>
@@ -24467,7 +24548,7 @@
         </p:nvSpPr>
         <p:spPr>
           <a:xfrm>
-            <a:off x="2256468" y="4233765"/>
+            <a:off x="2256469" y="4233768"/>
             <a:ext cx="1359708" cy="323167"/>
           </a:xfrm>
           <a:prstGeom prst="rect">
@@ -24512,7 +24593,7 @@
         </p:nvSpPr>
         <p:spPr>
           <a:xfrm>
-            <a:off x="2590332" y="3429000"/>
+            <a:off x="2590335" y="3429003"/>
             <a:ext cx="691979" cy="691979"/>
           </a:xfrm>
           <a:prstGeom prst="flowChartConnector">
@@ -24575,7 +24656,7 @@
         </p:nvSpPr>
         <p:spPr>
           <a:xfrm>
-            <a:off x="7329849" y="3429000"/>
+            <a:off x="7329852" y="3429003"/>
             <a:ext cx="691979" cy="691979"/>
           </a:xfrm>
           <a:prstGeom prst="flowChartConnector">
@@ -24638,7 +24719,7 @@
         </p:nvSpPr>
         <p:spPr>
           <a:xfrm>
-            <a:off x="8909689" y="3429000"/>
+            <a:off x="8909692" y="3429003"/>
             <a:ext cx="691979" cy="691979"/>
           </a:xfrm>
           <a:prstGeom prst="flowChartConnector">
@@ -24701,7 +24782,7 @@
         </p:nvSpPr>
         <p:spPr>
           <a:xfrm>
-            <a:off x="3833026" y="4233614"/>
+            <a:off x="3833027" y="4233617"/>
             <a:ext cx="1359708" cy="323167"/>
           </a:xfrm>
           <a:prstGeom prst="rect">
@@ -24746,8 +24827,8 @@
         </p:nvSpPr>
         <p:spPr>
           <a:xfrm>
-            <a:off x="5295103" y="4235294"/>
-            <a:ext cx="1608670" cy="323167"/>
+            <a:off x="5295103" y="4235298"/>
+            <a:ext cx="1608671" cy="323167"/>
           </a:xfrm>
           <a:prstGeom prst="rect">
             <a:avLst/>
@@ -24796,7 +24877,7 @@
         </p:nvSpPr>
         <p:spPr>
           <a:xfrm>
-            <a:off x="8468220" y="4227598"/>
+            <a:off x="8468221" y="4227598"/>
             <a:ext cx="1574916" cy="985272"/>
           </a:xfrm>
           <a:prstGeom prst="rect">
@@ -24917,7 +24998,7 @@
         </p:nvSpPr>
         <p:spPr>
           <a:xfrm>
-            <a:off x="6995984" y="4235294"/>
+            <a:off x="6995985" y="4235298"/>
             <a:ext cx="1359708" cy="323167"/>
           </a:xfrm>
           <a:prstGeom prst="rect">
@@ -24964,7 +25045,7 @@
         </p:nvCxnSpPr>
         <p:spPr>
           <a:xfrm>
-            <a:off x="5026024" y="3767844"/>
+            <a:off x="5026025" y="3767844"/>
             <a:ext cx="538164" cy="0"/>
           </a:xfrm>
           <a:prstGeom prst="line">
@@ -25002,7 +25083,7 @@
         </p:nvCxnSpPr>
         <p:spPr>
           <a:xfrm>
-            <a:off x="6597649" y="3767844"/>
+            <a:off x="6597650" y="3767844"/>
             <a:ext cx="538164" cy="0"/>
           </a:xfrm>
           <a:prstGeom prst="line">
@@ -25040,7 +25121,7 @@
         </p:nvCxnSpPr>
         <p:spPr>
           <a:xfrm>
-            <a:off x="8188020" y="3767844"/>
+            <a:off x="8188021" y="3767844"/>
             <a:ext cx="538164" cy="0"/>
           </a:xfrm>
           <a:prstGeom prst="line">
@@ -25114,7 +25195,7 @@
         </p:nvSpPr>
         <p:spPr>
           <a:xfrm>
-            <a:off x="0" y="0"/>
+            <a:off x="0" y="1"/>
             <a:ext cx="12192000" cy="1234732"/>
           </a:xfrm>
           <a:prstGeom prst="rect">
@@ -25170,7 +25251,7 @@
         </p:nvSpPr>
         <p:spPr>
           <a:xfrm>
-            <a:off x="838204" y="182566"/>
+            <a:off x="838204" y="182568"/>
             <a:ext cx="10515600" cy="869605"/>
           </a:xfrm>
         </p:spPr>
@@ -25254,14 +25335,14 @@
           <p:nvPr>
             <p:extLst>
               <p:ext uri="{D42A27DB-BD31-4B8C-83A1-F6EECF244321}">
-                <p14:modId xmlns:p14="http://schemas.microsoft.com/office/powerpoint/2010/main" val="1475245339"/>
+                <p14:modId xmlns:p14="http://schemas.microsoft.com/office/powerpoint/2010/main" val="3351944599"/>
               </p:ext>
             </p:extLst>
           </p:nvPr>
         </p:nvGraphicFramePr>
         <p:xfrm>
-          <a:off x="615298" y="1848604"/>
-          <a:ext cx="2478280" cy="3801956"/>
+          <a:off x="615299" y="1848605"/>
+          <a:ext cx="2478280" cy="3801959"/>
         </p:xfrm>
         <a:graphic>
           <a:graphicData uri="http://schemas.openxmlformats.org/drawingml/2006/table">
@@ -25285,7 +25366,7 @@
                   </a:extLst>
                 </a:gridCol>
               </a:tblGrid>
-              <a:tr h="551342">
+              <a:tr h="551343">
                 <a:tc>
                   <a:txBody>
                     <a:bodyPr/>
@@ -25372,10 +25453,10 @@
                         <a:defRPr/>
                       </a:pPr>
                       <a:r>
-                        <a:rPr lang="en-US" sz="1200" dirty="0"/>
+                        <a:rPr lang="en-US" sz="1300" dirty="0"/>
                         <a:t>Planung und Analyse</a:t>
                       </a:r>
-                      <a:endParaRPr lang="ru-RU" sz="1200" b="0" i="0" dirty="0">
+                      <a:endParaRPr lang="ru-RU" sz="1300" b="0" i="0" dirty="0">
                         <a:solidFill>
                           <a:schemeClr val="bg1"/>
                         </a:solidFill>
@@ -25417,10 +25498,10 @@
                         <a:defRPr/>
                       </a:pPr>
                       <a:r>
-                        <a:rPr lang="en-US" sz="1200" dirty="0"/>
+                        <a:rPr lang="en-US" sz="1300" dirty="0"/>
                         <a:t>6 Stunden</a:t>
                       </a:r>
-                      <a:endParaRPr lang="ru-RU" sz="1200" b="0" i="0" dirty="0">
+                      <a:endParaRPr lang="ru-RU" sz="1300" b="0" i="0" dirty="0">
                         <a:solidFill>
                           <a:schemeClr val="bg1"/>
                         </a:solidFill>
@@ -25469,10 +25550,10 @@
                         <a:defRPr/>
                       </a:pPr>
                       <a:r>
-                        <a:rPr lang="en-US" sz="1200" dirty="0"/>
+                        <a:rPr lang="en-US" sz="1300" dirty="0"/>
                         <a:t>Realisierung</a:t>
                       </a:r>
-                      <a:endParaRPr lang="ru-RU" sz="1200" b="0" i="0" dirty="0">
+                      <a:endParaRPr lang="ru-RU" sz="1300" b="0" i="0" dirty="0">
                         <a:solidFill>
                           <a:schemeClr val="bg1"/>
                         </a:solidFill>
@@ -25514,10 +25595,10 @@
                         <a:defRPr/>
                       </a:pPr>
                       <a:r>
-                        <a:rPr lang="en-US" sz="1200" dirty="0"/>
+                        <a:rPr lang="en-US" sz="1300" dirty="0"/>
                         <a:t>43 Stunden</a:t>
                       </a:r>
-                      <a:endParaRPr lang="ru-RU" sz="1200" b="0" i="0" dirty="0">
+                      <a:endParaRPr lang="ru-RU" sz="1300" b="0" i="0" dirty="0">
                         <a:solidFill>
                           <a:schemeClr val="bg1"/>
                         </a:solidFill>
@@ -25566,10 +25647,10 @@
                         <a:defRPr/>
                       </a:pPr>
                       <a:r>
-                        <a:rPr lang="en-US" sz="1200" dirty="0"/>
+                        <a:rPr lang="en-US" sz="1300" dirty="0"/>
                         <a:t>Dokumentation</a:t>
                       </a:r>
-                      <a:endParaRPr lang="ru-RU" sz="1200" b="0" i="0" dirty="0">
+                      <a:endParaRPr lang="ru-RU" sz="1300" b="0" i="0" dirty="0">
                         <a:solidFill>
                           <a:schemeClr val="bg1"/>
                         </a:solidFill>
@@ -25611,10 +25692,10 @@
                         <a:defRPr/>
                       </a:pPr>
                       <a:r>
-                        <a:rPr lang="en-US" sz="1200" dirty="0"/>
+                        <a:rPr lang="en-US" sz="1300" dirty="0"/>
                         <a:t>10 Stunden</a:t>
                       </a:r>
-                      <a:endParaRPr lang="ru-RU" sz="1200" b="0" i="0" dirty="0">
+                      <a:endParaRPr lang="ru-RU" sz="1300" b="0" i="0" dirty="0">
                         <a:solidFill>
                           <a:schemeClr val="bg1"/>
                         </a:solidFill>
@@ -25663,10 +25744,10 @@
                         <a:defRPr/>
                       </a:pPr>
                       <a:r>
-                        <a:rPr lang="en-US" sz="1200" dirty="0"/>
+                        <a:rPr lang="en-US" sz="1300" dirty="0"/>
                         <a:t>Abschlusstest mit Bugfixing</a:t>
                       </a:r>
-                      <a:endParaRPr lang="ru-RU" sz="1200" b="0" i="0" dirty="0">
+                      <a:endParaRPr lang="ru-RU" sz="1300" b="0" i="0" dirty="0">
                         <a:solidFill>
                           <a:schemeClr val="bg1"/>
                         </a:solidFill>
@@ -25708,10 +25789,10 @@
                         <a:defRPr/>
                       </a:pPr>
                       <a:r>
-                        <a:rPr lang="en-US" sz="1200" dirty="0"/>
+                        <a:rPr lang="en-US" sz="1300" dirty="0"/>
                         <a:t>9 Stunden</a:t>
                       </a:r>
-                      <a:endParaRPr lang="ru-RU" sz="1200" b="0" i="0" dirty="0">
+                      <a:endParaRPr lang="ru-RU" sz="1300" b="0" i="0" dirty="0">
                         <a:solidFill>
                           <a:schemeClr val="bg1"/>
                         </a:solidFill>
@@ -25760,10 +25841,10 @@
                         <a:defRPr/>
                       </a:pPr>
                       <a:r>
-                        <a:rPr lang="en-US" sz="1200" dirty="0"/>
+                        <a:rPr lang="en-US" sz="1300" dirty="0"/>
                         <a:t>Puffer</a:t>
                       </a:r>
-                      <a:endParaRPr lang="ru-RU" sz="1200" b="0" i="0" dirty="0">
+                      <a:endParaRPr lang="ru-RU" sz="1300" b="0" i="0" dirty="0">
                         <a:solidFill>
                           <a:schemeClr val="bg1"/>
                         </a:solidFill>
@@ -25805,10 +25886,10 @@
                         <a:defRPr/>
                       </a:pPr>
                       <a:r>
-                        <a:rPr lang="en-US" sz="1200" dirty="0"/>
+                        <a:rPr lang="en-US" sz="1300" dirty="0"/>
                         <a:t>2 Stunden</a:t>
                       </a:r>
-                      <a:endParaRPr lang="ru-RU" sz="1200" b="0" i="0" dirty="0">
+                      <a:endParaRPr lang="ru-RU" sz="1300" b="0" i="0" dirty="0">
                         <a:solidFill>
                           <a:schemeClr val="bg1"/>
                         </a:solidFill>
@@ -25857,10 +25938,10 @@
                         <a:defRPr/>
                       </a:pPr>
                       <a:r>
-                        <a:rPr lang="en-US" sz="1200" b="1" dirty="0"/>
+                        <a:rPr lang="en-US" sz="1300" b="1" dirty="0"/>
                         <a:t>Gesamt</a:t>
                       </a:r>
-                      <a:endParaRPr lang="ru-RU" sz="1200" b="1" i="0" dirty="0">
+                      <a:endParaRPr lang="ru-RU" sz="1300" b="1" i="0" dirty="0">
                         <a:solidFill>
                           <a:schemeClr val="bg1"/>
                         </a:solidFill>
@@ -25902,10 +25983,10 @@
                         <a:defRPr/>
                       </a:pPr>
                       <a:r>
-                        <a:rPr lang="en-US" sz="1200" b="1" dirty="0"/>
+                        <a:rPr lang="en-US" sz="1300" b="1" dirty="0"/>
                         <a:t>70 Stunden</a:t>
                       </a:r>
-                      <a:endParaRPr lang="ru-RU" sz="1200" b="1" i="0" dirty="0">
+                      <a:endParaRPr lang="ru-RU" sz="1300" b="1" i="0" dirty="0">
                         <a:solidFill>
                           <a:schemeClr val="bg1"/>
                         </a:solidFill>
@@ -25949,14 +26030,14 @@
           <p:nvPr>
             <p:extLst>
               <p:ext uri="{D42A27DB-BD31-4B8C-83A1-F6EECF244321}">
-                <p14:modId xmlns:p14="http://schemas.microsoft.com/office/powerpoint/2010/main" val="4170520520"/>
+                <p14:modId xmlns:p14="http://schemas.microsoft.com/office/powerpoint/2010/main" val="1505156633"/>
               </p:ext>
             </p:extLst>
           </p:nvPr>
         </p:nvGraphicFramePr>
         <p:xfrm>
-          <a:off x="3367036" y="1841344"/>
-          <a:ext cx="8209665" cy="3752808"/>
+          <a:off x="3367039" y="1841344"/>
+          <a:ext cx="8209668" cy="3805600"/>
         </p:xfrm>
         <a:graphic>
           <a:graphicData uri="http://schemas.openxmlformats.org/drawingml/2006/table">
@@ -25965,14 +26046,14 @@
                 <a:tableStyleId>{5C22544A-7EE6-4342-B048-85BDC9FD1C3A}</a:tableStyleId>
               </a:tblPr>
               <a:tblGrid>
-                <a:gridCol w="1659494">
+                <a:gridCol w="1659495">
                   <a:extLst>
                     <a:ext uri="{9D8B030D-6E8A-4147-A177-3AD203B41FA5}">
                       <a16:colId xmlns:a16="http://schemas.microsoft.com/office/drawing/2014/main" val="3771321557"/>
                     </a:ext>
                   </a:extLst>
                 </a:gridCol>
-                <a:gridCol w="1595794">
+                <a:gridCol w="1595795">
                   <a:extLst>
                     <a:ext uri="{9D8B030D-6E8A-4147-A177-3AD203B41FA5}">
                       <a16:colId xmlns:a16="http://schemas.microsoft.com/office/drawing/2014/main" val="1302731667"/>
@@ -25986,21 +26067,21 @@
                     </a:ext>
                   </a:extLst>
                 </a:gridCol>
-                <a:gridCol w="1368278">
+                <a:gridCol w="1368279">
                   <a:extLst>
                     <a:ext uri="{9D8B030D-6E8A-4147-A177-3AD203B41FA5}">
                       <a16:colId xmlns:a16="http://schemas.microsoft.com/office/drawing/2014/main" val="471869505"/>
                     </a:ext>
                   </a:extLst>
                 </a:gridCol>
-                <a:gridCol w="1368278">
+                <a:gridCol w="1368279">
                   <a:extLst>
                     <a:ext uri="{9D8B030D-6E8A-4147-A177-3AD203B41FA5}">
                       <a16:colId xmlns:a16="http://schemas.microsoft.com/office/drawing/2014/main" val="1626658318"/>
                     </a:ext>
                   </a:extLst>
                 </a:gridCol>
-                <a:gridCol w="1368278">
+                <a:gridCol w="1368279">
                   <a:extLst>
                     <a:ext uri="{9D8B030D-6E8A-4147-A177-3AD203B41FA5}">
                       <a16:colId xmlns:a16="http://schemas.microsoft.com/office/drawing/2014/main" val="777771099"/>
@@ -26021,7 +26102,7 @@
                       </a:r>
                     </a:p>
                   </a:txBody>
-                  <a:tcPr marL="122194" marR="122194" marT="61097" marB="61097" anchor="ctr">
+                  <a:tcPr marL="122195" marR="122195" marT="61097" marB="61097" anchor="ctr">
                     <a:solidFill>
                       <a:schemeClr val="accent5">
                         <a:lumMod val="75000"/>
@@ -26041,7 +26122,7 @@
                       </a:r>
                     </a:p>
                   </a:txBody>
-                  <a:tcPr marL="122194" marR="122194" marT="61097" marB="61097" anchor="ctr">
+                  <a:tcPr marL="122195" marR="122195" marT="61097" marB="61097" anchor="ctr">
                     <a:solidFill>
                       <a:schemeClr val="accent5">
                         <a:lumMod val="75000"/>
@@ -26061,7 +26142,7 @@
                       </a:r>
                     </a:p>
                   </a:txBody>
-                  <a:tcPr marL="122194" marR="122194" marT="61097" marB="61097" anchor="ctr">
+                  <a:tcPr marL="122195" marR="122195" marT="61097" marB="61097" anchor="ctr">
                     <a:solidFill>
                       <a:schemeClr val="accent5">
                         <a:lumMod val="75000"/>
@@ -26081,7 +26162,7 @@
                       </a:r>
                     </a:p>
                   </a:txBody>
-                  <a:tcPr marL="122194" marR="122194" marT="61097" marB="61097" anchor="ctr">
+                  <a:tcPr marL="122195" marR="122195" marT="61097" marB="61097" anchor="ctr">
                     <a:solidFill>
                       <a:schemeClr val="accent5">
                         <a:lumMod val="75000"/>
@@ -26101,7 +26182,7 @@
                       </a:r>
                     </a:p>
                   </a:txBody>
-                  <a:tcPr marL="122194" marR="122194" marT="61097" marB="61097" anchor="ctr">
+                  <a:tcPr marL="122195" marR="122195" marT="61097" marB="61097" anchor="ctr">
                     <a:solidFill>
                       <a:schemeClr val="accent5">
                         <a:lumMod val="75000"/>
@@ -26121,7 +26202,7 @@
                       </a:r>
                     </a:p>
                   </a:txBody>
-                  <a:tcPr marL="122194" marR="122194" marT="61097" marB="61097" anchor="ctr">
+                  <a:tcPr marL="122195" marR="122195" marT="61097" marB="61097" anchor="ctr">
                     <a:solidFill>
                       <a:schemeClr val="accent5">
                         <a:lumMod val="75000"/>
@@ -26143,12 +26224,12 @@
                     <a:p>
                       <a:pPr lvl="0" algn="l" rtl="0"/>
                       <a:r>
-                        <a:rPr lang="de-DE" sz="1200" dirty="0"/>
+                        <a:rPr lang="de-DE" sz="1300" dirty="0"/>
                         <a:t>Entwicklungskosten</a:t>
                       </a:r>
                     </a:p>
                   </a:txBody>
-                  <a:tcPr marL="122194" marR="122194" marT="61097" marB="61097" anchor="ctr">
+                  <a:tcPr marL="122195" marR="122195" marT="61097" marB="61097" anchor="ctr">
                     <a:solidFill>
                       <a:schemeClr val="accent5">
                         <a:lumMod val="40000"/>
@@ -26164,12 +26245,12 @@
                     <a:p>
                       <a:pPr lvl="0" algn="l" rtl="0"/>
                       <a:r>
-                        <a:rPr lang="de-DE" sz="1200" dirty="0"/>
+                        <a:rPr lang="de-DE" sz="1300" dirty="0"/>
                         <a:t>1 x Auszubildender</a:t>
                       </a:r>
                     </a:p>
                   </a:txBody>
-                  <a:tcPr marL="122194" marR="122194" marT="61097" marB="61097" anchor="ctr">
+                  <a:tcPr marL="122195" marR="122195" marT="61097" marB="61097" anchor="ctr">
                     <a:solidFill>
                       <a:schemeClr val="accent5">
                         <a:lumMod val="40000"/>
@@ -26185,12 +26266,12 @@
                     <a:p>
                       <a:pPr lvl="0" algn="l" rtl="0"/>
                       <a:r>
-                        <a:rPr lang="de-DE" sz="1200" dirty="0"/>
+                        <a:rPr lang="de-DE" sz="1300" dirty="0"/>
                         <a:t>70 Std.</a:t>
                       </a:r>
                     </a:p>
                   </a:txBody>
-                  <a:tcPr marL="122194" marR="122194" marT="61097" marB="61097" anchor="ctr">
+                  <a:tcPr marL="122195" marR="122195" marT="61097" marB="61097" anchor="ctr">
                     <a:solidFill>
                       <a:schemeClr val="accent5">
                         <a:lumMod val="40000"/>
@@ -26206,12 +26287,12 @@
                     <a:p>
                       <a:pPr lvl="0" algn="l" rtl="0"/>
                       <a:r>
-                        <a:rPr lang="de-DE" sz="1200" dirty="0"/>
+                        <a:rPr lang="de-DE" sz="1300" dirty="0"/>
                         <a:t>700,00 €</a:t>
                       </a:r>
                     </a:p>
                   </a:txBody>
-                  <a:tcPr marL="122194" marR="122194" marT="61097" marB="61097" anchor="ctr">
+                  <a:tcPr marL="122195" marR="122195" marT="61097" marB="61097" anchor="ctr">
                     <a:solidFill>
                       <a:schemeClr val="accent5">
                         <a:lumMod val="40000"/>
@@ -26227,12 +26308,12 @@
                     <a:p>
                       <a:pPr lvl="0" algn="l" rtl="0"/>
                       <a:r>
-                        <a:rPr lang="de-DE" sz="1200" dirty="0"/>
+                        <a:rPr lang="de-DE" sz="1300" dirty="0"/>
                         <a:t>1.050,00 €</a:t>
                       </a:r>
                     </a:p>
                   </a:txBody>
-                  <a:tcPr marL="122194" marR="122194" marT="61097" marB="61097" anchor="ctr">
+                  <a:tcPr marL="122195" marR="122195" marT="61097" marB="61097" anchor="ctr">
                     <a:solidFill>
                       <a:schemeClr val="accent5">
                         <a:lumMod val="40000"/>
@@ -26248,12 +26329,12 @@
                     <a:p>
                       <a:pPr lvl="0" algn="l" rtl="0"/>
                       <a:r>
-                        <a:rPr lang="de-DE" sz="1200" dirty="0"/>
+                        <a:rPr lang="de-DE" sz="1300" dirty="0"/>
                         <a:t>1.750,00 €</a:t>
                       </a:r>
                     </a:p>
                   </a:txBody>
-                  <a:tcPr marL="122194" marR="122194" marT="61097" marB="61097" anchor="ctr">
+                  <a:tcPr marL="122195" marR="122195" marT="61097" marB="61097" anchor="ctr">
                     <a:solidFill>
                       <a:schemeClr val="accent5">
                         <a:lumMod val="40000"/>
@@ -26276,12 +26357,12 @@
                     <a:p>
                       <a:pPr lvl="0" algn="l" rtl="0"/>
                       <a:r>
-                        <a:rPr lang="de-DE" sz="1200" dirty="0"/>
+                        <a:rPr lang="de-DE" sz="1300" dirty="0"/>
                         <a:t>Fachgespräch </a:t>
                       </a:r>
                     </a:p>
                   </a:txBody>
-                  <a:tcPr marL="122194" marR="122194" marT="61097" marB="61097" anchor="ctr">
+                  <a:tcPr marL="122195" marR="122195" marT="61097" marB="61097" anchor="ctr">
                     <a:solidFill>
                       <a:schemeClr val="accent5">
                         <a:lumMod val="20000"/>
@@ -26297,12 +26378,12 @@
                     <a:p>
                       <a:pPr lvl="0" algn="l" rtl="0"/>
                       <a:r>
-                        <a:rPr lang="de-DE" sz="1200" dirty="0"/>
+                        <a:rPr lang="de-DE" sz="1300" dirty="0"/>
                         <a:t>1 x Mitarbeiter</a:t>
                       </a:r>
                     </a:p>
                   </a:txBody>
-                  <a:tcPr marL="122194" marR="122194" marT="61097" marB="61097" anchor="ctr">
+                  <a:tcPr marL="122195" marR="122195" marT="61097" marB="61097" anchor="ctr">
                     <a:solidFill>
                       <a:schemeClr val="accent5">
                         <a:lumMod val="20000"/>
@@ -26318,12 +26399,12 @@
                     <a:p>
                       <a:pPr lvl="0" algn="l" rtl="0"/>
                       <a:r>
-                        <a:rPr lang="de-DE" sz="1200" dirty="0"/>
+                        <a:rPr lang="de-DE" sz="1300" dirty="0"/>
                         <a:t>6 Std.</a:t>
                       </a:r>
                     </a:p>
                   </a:txBody>
-                  <a:tcPr marL="122194" marR="122194" marT="61097" marB="61097" anchor="ctr">
+                  <a:tcPr marL="122195" marR="122195" marT="61097" marB="61097" anchor="ctr">
                     <a:solidFill>
                       <a:schemeClr val="accent5">
                         <a:lumMod val="20000"/>
@@ -26339,12 +26420,12 @@
                     <a:p>
                       <a:pPr lvl="0" algn="l" rtl="0"/>
                       <a:r>
-                        <a:rPr lang="de-DE" sz="1200" dirty="0"/>
+                        <a:rPr lang="de-DE" sz="1300" dirty="0"/>
                         <a:t>150,00 €</a:t>
                       </a:r>
                     </a:p>
                   </a:txBody>
-                  <a:tcPr marL="122194" marR="122194" marT="61097" marB="61097" anchor="ctr">
+                  <a:tcPr marL="122195" marR="122195" marT="61097" marB="61097" anchor="ctr">
                     <a:solidFill>
                       <a:schemeClr val="accent5">
                         <a:lumMod val="20000"/>
@@ -26360,12 +26441,12 @@
                     <a:p>
                       <a:pPr lvl="0" algn="l" rtl="0"/>
                       <a:r>
-                        <a:rPr lang="de-DE" sz="1200" dirty="0"/>
+                        <a:rPr lang="de-DE" sz="1300" dirty="0"/>
                         <a:t>90,00 €</a:t>
                       </a:r>
                     </a:p>
                   </a:txBody>
-                  <a:tcPr marL="122194" marR="122194" marT="61097" marB="61097" anchor="ctr">
+                  <a:tcPr marL="122195" marR="122195" marT="61097" marB="61097" anchor="ctr">
                     <a:solidFill>
                       <a:schemeClr val="accent5">
                         <a:lumMod val="20000"/>
@@ -26381,12 +26462,12 @@
                     <a:p>
                       <a:pPr lvl="0" algn="l" rtl="0"/>
                       <a:r>
-                        <a:rPr lang="de-DE" sz="1200" dirty="0"/>
+                        <a:rPr lang="de-DE" sz="1300" dirty="0"/>
                         <a:t>240,00 €</a:t>
                       </a:r>
                     </a:p>
                   </a:txBody>
-                  <a:tcPr marL="122194" marR="122194" marT="61097" marB="61097" anchor="ctr">
+                  <a:tcPr marL="122195" marR="122195" marT="61097" marB="61097" anchor="ctr">
                     <a:solidFill>
                       <a:schemeClr val="accent5">
                         <a:lumMod val="20000"/>
@@ -26409,12 +26490,12 @@
                     <a:p>
                       <a:pPr lvl="0" algn="l" rtl="0"/>
                       <a:r>
-                        <a:rPr lang="de-DE" sz="1200" dirty="0"/>
+                        <a:rPr lang="de-DE" sz="1300" dirty="0"/>
                         <a:t>Code-Review</a:t>
                       </a:r>
                     </a:p>
                   </a:txBody>
-                  <a:tcPr marL="122194" marR="122194" marT="61097" marB="61097" anchor="ctr">
+                  <a:tcPr marL="122195" marR="122195" marT="61097" marB="61097" anchor="ctr">
                     <a:solidFill>
                       <a:schemeClr val="accent5">
                         <a:lumMod val="40000"/>
@@ -26446,12 +26527,12 @@
                         <a:defRPr/>
                       </a:pPr>
                       <a:r>
-                        <a:rPr lang="de-DE" sz="1200" dirty="0"/>
+                        <a:rPr lang="de-DE" sz="1300" dirty="0"/>
                         <a:t>1 x Mitarbeiter</a:t>
                       </a:r>
                     </a:p>
                   </a:txBody>
-                  <a:tcPr marL="122194" marR="122194" marT="61097" marB="61097" anchor="ctr">
+                  <a:tcPr marL="122195" marR="122195" marT="61097" marB="61097" anchor="ctr">
                     <a:solidFill>
                       <a:schemeClr val="accent5">
                         <a:lumMod val="40000"/>
@@ -26467,12 +26548,12 @@
                     <a:p>
                       <a:pPr lvl="0" algn="l" rtl="0"/>
                       <a:r>
-                        <a:rPr lang="de-DE" sz="1200" dirty="0"/>
+                        <a:rPr lang="de-DE" sz="1300" dirty="0"/>
                         <a:t>3 Std.</a:t>
                       </a:r>
                     </a:p>
                   </a:txBody>
-                  <a:tcPr marL="122194" marR="122194" marT="61097" marB="61097" anchor="ctr">
+                  <a:tcPr marL="122195" marR="122195" marT="61097" marB="61097" anchor="ctr">
                     <a:solidFill>
                       <a:schemeClr val="accent5">
                         <a:lumMod val="40000"/>
@@ -26488,12 +26569,12 @@
                     <a:p>
                       <a:pPr lvl="0" algn="l" rtl="0"/>
                       <a:r>
-                        <a:rPr lang="de-DE" sz="1200" dirty="0"/>
+                        <a:rPr lang="de-DE" sz="1300" dirty="0"/>
                         <a:t>75,00 €</a:t>
                       </a:r>
                     </a:p>
                   </a:txBody>
-                  <a:tcPr marL="122194" marR="122194" marT="61097" marB="61097" anchor="ctr">
+                  <a:tcPr marL="122195" marR="122195" marT="61097" marB="61097" anchor="ctr">
                     <a:solidFill>
                       <a:schemeClr val="accent5">
                         <a:lumMod val="40000"/>
@@ -26509,12 +26590,12 @@
                     <a:p>
                       <a:pPr lvl="0" algn="l" rtl="0"/>
                       <a:r>
-                        <a:rPr lang="de-DE" sz="1200" dirty="0"/>
+                        <a:rPr lang="de-DE" sz="1300" dirty="0"/>
                         <a:t>45,00 €</a:t>
                       </a:r>
                     </a:p>
                   </a:txBody>
-                  <a:tcPr marL="122194" marR="122194" marT="61097" marB="61097" anchor="ctr">
+                  <a:tcPr marL="122195" marR="122195" marT="61097" marB="61097" anchor="ctr">
                     <a:solidFill>
                       <a:schemeClr val="accent5">
                         <a:lumMod val="40000"/>
@@ -26530,12 +26611,12 @@
                     <a:p>
                       <a:pPr lvl="0" algn="l" rtl="0"/>
                       <a:r>
-                        <a:rPr lang="de-DE" sz="1200" dirty="0"/>
+                        <a:rPr lang="de-DE" sz="1300" dirty="0"/>
                         <a:t>120,00 €</a:t>
                       </a:r>
                     </a:p>
                   </a:txBody>
-                  <a:tcPr marL="122194" marR="122194" marT="61097" marB="61097" anchor="ctr">
+                  <a:tcPr marL="122195" marR="122195" marT="61097" marB="61097" anchor="ctr">
                     <a:solidFill>
                       <a:schemeClr val="accent5">
                         <a:lumMod val="40000"/>
@@ -26558,12 +26639,12 @@
                     <a:p>
                       <a:pPr lvl="0" algn="l" rtl="0"/>
                       <a:r>
-                        <a:rPr lang="de-DE" sz="1200" dirty="0"/>
+                        <a:rPr lang="de-DE" sz="1300" dirty="0"/>
                         <a:t>Abnahme</a:t>
                       </a:r>
                     </a:p>
                   </a:txBody>
-                  <a:tcPr marL="122194" marR="122194" marT="61097" marB="61097" anchor="ctr">
+                  <a:tcPr marL="122195" marR="122195" marT="61097" marB="61097" anchor="ctr">
                     <a:solidFill>
                       <a:schemeClr val="accent5">
                         <a:lumMod val="20000"/>
@@ -26595,12 +26676,12 @@
                         <a:defRPr/>
                       </a:pPr>
                       <a:r>
-                        <a:rPr lang="de-DE" sz="1200" dirty="0"/>
+                        <a:rPr lang="de-DE" sz="1300" dirty="0"/>
                         <a:t>1 x Mitarbeiter</a:t>
                       </a:r>
                     </a:p>
                   </a:txBody>
-                  <a:tcPr marL="122194" marR="122194" marT="61097" marB="61097" anchor="ctr">
+                  <a:tcPr marL="122195" marR="122195" marT="61097" marB="61097" anchor="ctr">
                     <a:solidFill>
                       <a:schemeClr val="accent5">
                         <a:lumMod val="20000"/>
@@ -26616,12 +26697,12 @@
                     <a:p>
                       <a:pPr lvl="0" algn="l" rtl="0"/>
                       <a:r>
-                        <a:rPr lang="de-DE" sz="1200" dirty="0"/>
+                        <a:rPr lang="de-DE" sz="1300" dirty="0"/>
                         <a:t>1 Std.</a:t>
                       </a:r>
                     </a:p>
                   </a:txBody>
-                  <a:tcPr marL="122194" marR="122194" marT="61097" marB="61097" anchor="ctr">
+                  <a:tcPr marL="122195" marR="122195" marT="61097" marB="61097" anchor="ctr">
                     <a:solidFill>
                       <a:schemeClr val="accent5">
                         <a:lumMod val="20000"/>
@@ -26637,12 +26718,12 @@
                     <a:p>
                       <a:pPr lvl="0" algn="l" rtl="0"/>
                       <a:r>
-                        <a:rPr lang="de-DE" sz="1200" dirty="0"/>
+                        <a:rPr lang="de-DE" sz="1300" dirty="0"/>
                         <a:t>25,00 €</a:t>
                       </a:r>
                     </a:p>
                   </a:txBody>
-                  <a:tcPr marL="122194" marR="122194" marT="61097" marB="61097" anchor="ctr">
+                  <a:tcPr marL="122195" marR="122195" marT="61097" marB="61097" anchor="ctr">
                     <a:solidFill>
                       <a:schemeClr val="accent5">
                         <a:lumMod val="20000"/>
@@ -26658,12 +26739,12 @@
                     <a:p>
                       <a:pPr lvl="0" algn="l" rtl="0"/>
                       <a:r>
-                        <a:rPr lang="de-DE" sz="1200" dirty="0"/>
+                        <a:rPr lang="de-DE" sz="1300" dirty="0"/>
                         <a:t>15,00 €</a:t>
                       </a:r>
                     </a:p>
                   </a:txBody>
-                  <a:tcPr marL="122194" marR="122194" marT="61097" marB="61097" anchor="ctr">
+                  <a:tcPr marL="122195" marR="122195" marT="61097" marB="61097" anchor="ctr">
                     <a:solidFill>
                       <a:schemeClr val="accent5">
                         <a:lumMod val="20000"/>
@@ -26679,12 +26760,12 @@
                     <a:p>
                       <a:pPr lvl="0" algn="l" rtl="0"/>
                       <a:r>
-                        <a:rPr lang="de-DE" sz="1200" dirty="0"/>
+                        <a:rPr lang="de-DE" sz="1300" dirty="0"/>
                         <a:t>40,00 €</a:t>
                       </a:r>
                     </a:p>
                   </a:txBody>
-                  <a:tcPr marL="122194" marR="122194" marT="61097" marB="61097" anchor="ctr">
+                  <a:tcPr marL="122195" marR="122195" marT="61097" marB="61097" anchor="ctr">
                     <a:solidFill>
                       <a:schemeClr val="accent5">
                         <a:lumMod val="20000"/>
@@ -26699,17 +26780,17 @@
                   </a:ext>
                 </a:extLst>
               </a:tr>
-              <a:tr h="625468">
+              <a:tr h="678260">
                 <a:tc>
                   <a:txBody>
                     <a:bodyPr/>
                     <a:lstStyle/>
                     <a:p>
                       <a:pPr lvl="0" algn="l" rtl="0"/>
-                      <a:endParaRPr lang="de-DE" sz="1200" dirty="0"/>
+                      <a:endParaRPr lang="de-DE" sz="1300" dirty="0"/>
                     </a:p>
                   </a:txBody>
-                  <a:tcPr marL="122194" marR="122194" marT="61097" marB="61097" anchor="ctr">
+                  <a:tcPr marL="122195" marR="122195" marT="61097" marB="61097" anchor="ctr">
                     <a:solidFill>
                       <a:schemeClr val="accent5">
                         <a:lumMod val="40000"/>
@@ -26724,10 +26805,10 @@
                     <a:lstStyle/>
                     <a:p>
                       <a:pPr lvl="0" algn="l" rtl="0"/>
-                      <a:endParaRPr lang="de-DE" sz="1200"/>
+                      <a:endParaRPr lang="de-DE" sz="1300"/>
                     </a:p>
                   </a:txBody>
-                  <a:tcPr marL="122194" marR="122194" marT="61097" marB="61097" anchor="ctr">
+                  <a:tcPr marL="122195" marR="122195" marT="61097" marB="61097" anchor="ctr">
                     <a:solidFill>
                       <a:schemeClr val="accent5">
                         <a:lumMod val="40000"/>
@@ -26742,10 +26823,10 @@
                     <a:lstStyle/>
                     <a:p>
                       <a:pPr lvl="0" algn="l" rtl="0"/>
-                      <a:endParaRPr lang="de-DE" sz="1200"/>
+                      <a:endParaRPr lang="de-DE" sz="1300"/>
                     </a:p>
                   </a:txBody>
-                  <a:tcPr marL="122194" marR="122194" marT="61097" marB="61097" anchor="ctr">
+                  <a:tcPr marL="122195" marR="122195" marT="61097" marB="61097" anchor="ctr">
                     <a:solidFill>
                       <a:schemeClr val="accent5">
                         <a:lumMod val="40000"/>
@@ -26760,10 +26841,10 @@
                     <a:lstStyle/>
                     <a:p>
                       <a:pPr lvl="0" algn="l" rtl="0"/>
-                      <a:endParaRPr lang="de-DE" sz="1200"/>
+                      <a:endParaRPr lang="de-DE" sz="1300"/>
                     </a:p>
                   </a:txBody>
-                  <a:tcPr marL="122194" marR="122194" marT="61097" marB="61097" anchor="ctr">
+                  <a:tcPr marL="122195" marR="122195" marT="61097" marB="61097" anchor="ctr">
                     <a:solidFill>
                       <a:schemeClr val="accent5">
                         <a:lumMod val="40000"/>
@@ -26778,10 +26859,10 @@
                     <a:lstStyle/>
                     <a:p>
                       <a:pPr lvl="0" algn="l" rtl="0"/>
-                      <a:endParaRPr lang="de-DE" sz="1200"/>
+                      <a:endParaRPr lang="de-DE" sz="1300"/>
                     </a:p>
                   </a:txBody>
-                  <a:tcPr marL="122194" marR="122194" marT="61097" marB="61097" anchor="ctr">
+                  <a:tcPr marL="122195" marR="122195" marT="61097" marB="61097" anchor="ctr">
                     <a:solidFill>
                       <a:schemeClr val="accent5">
                         <a:lumMod val="40000"/>
@@ -26797,12 +26878,12 @@
                     <a:p>
                       <a:pPr lvl="0" algn="l" rtl="0"/>
                       <a:r>
-                        <a:rPr lang="de-DE" sz="1200" b="1" dirty="0"/>
+                        <a:rPr lang="de-DE" sz="1300" b="1" dirty="0"/>
                         <a:t>2.150,00 €</a:t>
                       </a:r>
                     </a:p>
                   </a:txBody>
-                  <a:tcPr marL="122194" marR="122194" marT="61097" marB="61097" anchor="ctr">
+                  <a:tcPr marL="122195" marR="122195" marT="61097" marB="61097" anchor="ctr">
                     <a:solidFill>
                       <a:schemeClr val="accent5">
                         <a:lumMod val="40000"/>
@@ -26835,7 +26916,7 @@
         </p:nvSpPr>
         <p:spPr>
           <a:xfrm>
-            <a:off x="3367036" y="1349936"/>
+            <a:off x="3367036" y="1349940"/>
             <a:ext cx="2229736" cy="430887"/>
           </a:xfrm>
           <a:prstGeom prst="rect">
@@ -26871,7 +26952,7 @@
         </p:nvSpPr>
         <p:spPr>
           <a:xfrm>
-            <a:off x="615298" y="1349936"/>
+            <a:off x="615299" y="1349937"/>
             <a:ext cx="2418459" cy="430887"/>
           </a:xfrm>
           <a:prstGeom prst="rect">
